--- a/FinalPresentation.pptx
+++ b/FinalPresentation.pptx
@@ -20,23 +20,25 @@
     <p:sldId id="265" r:id="rId15"/>
     <p:sldId id="266" r:id="rId16"/>
     <p:sldId id="267" r:id="rId17"/>
+    <p:sldId id="268" r:id="rId18"/>
+    <p:sldId id="269" r:id="rId19"/>
   </p:sldIdLst>
   <p:sldSz cy="5143500" cx="9144000"/>
   <p:notesSz cx="6858000" cy="9144000"/>
   <p:embeddedFontLst>
     <p:embeddedFont>
       <p:font typeface="Raleway"/>
-      <p:regular r:id="rId18"/>
-      <p:bold r:id="rId19"/>
-      <p:italic r:id="rId20"/>
-      <p:boldItalic r:id="rId21"/>
+      <p:regular r:id="rId20"/>
+      <p:bold r:id="rId21"/>
+      <p:italic r:id="rId22"/>
+      <p:boldItalic r:id="rId23"/>
     </p:embeddedFont>
     <p:embeddedFont>
       <p:font typeface="Source Sans Pro"/>
-      <p:regular r:id="rId22"/>
-      <p:bold r:id="rId23"/>
-      <p:italic r:id="rId24"/>
-      <p:boldItalic r:id="rId25"/>
+      <p:regular r:id="rId24"/>
+      <p:bold r:id="rId25"/>
+      <p:italic r:id="rId26"/>
+      <p:boldItalic r:id="rId27"/>
     </p:embeddedFont>
   </p:embeddedFontLst>
   <p:defaultTextStyle>
@@ -934,7 +936,7 @@
   <p:cSld>
     <p:spTree>
       <p:nvGrpSpPr>
-        <p:cNvPr id="121" name="Shape 121"/>
+        <p:cNvPr id="136" name="Shape 136"/>
         <p:cNvGrpSpPr/>
         <p:nvPr/>
       </p:nvGrpSpPr>
@@ -948,7 +950,7 @@
       </p:grpSpPr>
       <p:sp>
         <p:nvSpPr>
-          <p:cNvPr id="122" name="Google Shape;122;g49f63aa3ef_0_1958:notes"/>
+          <p:cNvPr id="137" name="Google Shape;137;g49f63aa3ef_2_2:notes"/>
           <p:cNvSpPr/>
           <p:nvPr>
             <p:ph idx="2" type="sldImg"/>
@@ -983,7 +985,7 @@
       </p:sp>
       <p:sp>
         <p:nvSpPr>
-          <p:cNvPr id="123" name="Google Shape;123;g49f63aa3ef_0_1958:notes"/>
+          <p:cNvPr id="138" name="Google Shape;138;g49f63aa3ef_2_2:notes"/>
           <p:cNvSpPr txBox="1"/>
           <p:nvPr>
             <p:ph idx="1" type="body"/>
@@ -1033,7 +1035,7 @@
   <p:cSld>
     <p:spTree>
       <p:nvGrpSpPr>
-        <p:cNvPr id="132" name="Shape 132"/>
+        <p:cNvPr id="144" name="Shape 144"/>
         <p:cNvGrpSpPr/>
         <p:nvPr/>
       </p:nvGrpSpPr>
@@ -1047,7 +1049,7 @@
       </p:grpSpPr>
       <p:sp>
         <p:nvSpPr>
-          <p:cNvPr id="133" name="Google Shape;133;g49f63aa3ef_0_1411:notes"/>
+          <p:cNvPr id="145" name="Google Shape;145;g49f63aa3ef_0_1958:notes"/>
           <p:cNvSpPr/>
           <p:nvPr>
             <p:ph idx="2" type="sldImg"/>
@@ -1082,7 +1084,7 @@
       </p:sp>
       <p:sp>
         <p:nvSpPr>
-          <p:cNvPr id="134" name="Google Shape;134;g49f63aa3ef_0_1411:notes"/>
+          <p:cNvPr id="146" name="Google Shape;146;g49f63aa3ef_0_1958:notes"/>
           <p:cNvSpPr txBox="1"/>
           <p:nvPr>
             <p:ph idx="1" type="body"/>
@@ -1132,7 +1134,7 @@
   <p:cSld>
     <p:spTree>
       <p:nvGrpSpPr>
-        <p:cNvPr id="139" name="Shape 139"/>
+        <p:cNvPr id="167" name="Shape 167"/>
         <p:cNvGrpSpPr/>
         <p:nvPr/>
       </p:nvGrpSpPr>
@@ -1146,7 +1148,7 @@
       </p:grpSpPr>
       <p:sp>
         <p:nvSpPr>
-          <p:cNvPr id="140" name="Google Shape;140;g49e9ea0bcc_0_25:notes"/>
+          <p:cNvPr id="168" name="Google Shape;168;g49e9ea0bcc_0_41:notes"/>
           <p:cNvSpPr/>
           <p:nvPr>
             <p:ph idx="2" type="sldImg"/>
@@ -1181,7 +1183,205 @@
       </p:sp>
       <p:sp>
         <p:nvSpPr>
-          <p:cNvPr id="141" name="Google Shape;141;g49e9ea0bcc_0_25:notes"/>
+          <p:cNvPr id="169" name="Google Shape;169;g49e9ea0bcc_0_41:notes"/>
+          <p:cNvSpPr txBox="1"/>
+          <p:nvPr>
+            <p:ph idx="1" type="body"/>
+          </p:nvPr>
+        </p:nvSpPr>
+        <p:spPr>
+          <a:xfrm>
+            <a:off x="685800" y="4343400"/>
+            <a:ext cx="5486400" cy="4114800"/>
+          </a:xfrm>
+          <a:prstGeom prst="rect">
+            <a:avLst/>
+          </a:prstGeom>
+        </p:spPr>
+        <p:txBody>
+          <a:bodyPr anchorCtr="0" anchor="t" bIns="91425" lIns="91425" spcFirstLastPara="1" rIns="91425" wrap="square" tIns="91425">
+            <a:noAutofit/>
+          </a:bodyPr>
+          <a:lstStyle/>
+          <a:p>
+            <a:pPr indent="0" lvl="0" marL="0" rtl="0" algn="l">
+              <a:spcBef>
+                <a:spcPts val="0"/>
+              </a:spcBef>
+              <a:spcAft>
+                <a:spcPts val="0"/>
+              </a:spcAft>
+              <a:buNone/>
+            </a:pPr>
+            <a:r>
+              <a:t/>
+            </a:r>
+            <a:endParaRPr/>
+          </a:p>
+        </p:txBody>
+      </p:sp>
+    </p:spTree>
+  </p:cSld>
+  <p:clrMapOvr>
+    <a:masterClrMapping/>
+  </p:clrMapOvr>
+</p:notes>
+</file>
+
+<file path=ppt/notesSlides/notesSlide13.xml><?xml version="1.0" encoding="utf-8"?>
+<p:notes xmlns:a="http://schemas.openxmlformats.org/drawingml/2006/main" xmlns:r="http://schemas.openxmlformats.org/officeDocument/2006/relationships" xmlns:mc="http://schemas.openxmlformats.org/markup-compatibility/2006" xmlns:mv="urn:schemas-microsoft-com:mac:vml" xmlns:p="http://schemas.openxmlformats.org/presentationml/2006/main" xmlns:c="http://schemas.openxmlformats.org/drawingml/2006/chart" xmlns:dgm="http://schemas.openxmlformats.org/drawingml/2006/diagram" xmlns:o="urn:schemas-microsoft-com:office:office" xmlns:v="urn:schemas-microsoft-com:vml" xmlns:pvml="urn:schemas-microsoft-com:office:powerpoint" xmlns:com="http://schemas.openxmlformats.org/drawingml/2006/compatibility" xmlns:p14="http://schemas.microsoft.com/office/powerpoint/2010/main" xmlns:p15="http://schemas.microsoft.com/office/powerpoint/2012/main" showMasterPhAnim="0" showMasterSp="0">
+  <p:cSld>
+    <p:spTree>
+      <p:nvGrpSpPr>
+        <p:cNvPr id="177" name="Shape 177"/>
+        <p:cNvGrpSpPr/>
+        <p:nvPr/>
+      </p:nvGrpSpPr>
+      <p:grpSpPr>
+        <a:xfrm>
+          <a:off x="0" y="0"/>
+          <a:ext cx="0" cy="0"/>
+          <a:chOff x="0" y="0"/>
+          <a:chExt cx="0" cy="0"/>
+        </a:xfrm>
+      </p:grpSpPr>
+      <p:sp>
+        <p:nvSpPr>
+          <p:cNvPr id="178" name="Google Shape;178;g49f63aa3ef_0_1411:notes"/>
+          <p:cNvSpPr/>
+          <p:nvPr>
+            <p:ph idx="2" type="sldImg"/>
+          </p:nvPr>
+        </p:nvSpPr>
+        <p:spPr>
+          <a:xfrm>
+            <a:off x="381175" y="685800"/>
+            <a:ext cx="6096300" cy="3429000"/>
+          </a:xfrm>
+          <a:custGeom>
+            <a:rect b="b" l="l" r="r" t="t"/>
+            <a:pathLst>
+              <a:path extrusionOk="0" h="120000" w="120000">
+                <a:moveTo>
+                  <a:pt x="0" y="0"/>
+                </a:moveTo>
+                <a:lnTo>
+                  <a:pt x="120000" y="0"/>
+                </a:lnTo>
+                <a:lnTo>
+                  <a:pt x="120000" y="120000"/>
+                </a:lnTo>
+                <a:lnTo>
+                  <a:pt x="0" y="120000"/>
+                </a:lnTo>
+                <a:close/>
+              </a:path>
+            </a:pathLst>
+          </a:custGeom>
+        </p:spPr>
+      </p:sp>
+      <p:sp>
+        <p:nvSpPr>
+          <p:cNvPr id="179" name="Google Shape;179;g49f63aa3ef_0_1411:notes"/>
+          <p:cNvSpPr txBox="1"/>
+          <p:nvPr>
+            <p:ph idx="1" type="body"/>
+          </p:nvPr>
+        </p:nvSpPr>
+        <p:spPr>
+          <a:xfrm>
+            <a:off x="685800" y="4343400"/>
+            <a:ext cx="5486400" cy="4114800"/>
+          </a:xfrm>
+          <a:prstGeom prst="rect">
+            <a:avLst/>
+          </a:prstGeom>
+        </p:spPr>
+        <p:txBody>
+          <a:bodyPr anchorCtr="0" anchor="t" bIns="91425" lIns="91425" spcFirstLastPara="1" rIns="91425" wrap="square" tIns="91425">
+            <a:noAutofit/>
+          </a:bodyPr>
+          <a:lstStyle/>
+          <a:p>
+            <a:pPr indent="0" lvl="0" marL="0" rtl="0" algn="l">
+              <a:spcBef>
+                <a:spcPts val="0"/>
+              </a:spcBef>
+              <a:spcAft>
+                <a:spcPts val="0"/>
+              </a:spcAft>
+              <a:buNone/>
+            </a:pPr>
+            <a:r>
+              <a:t/>
+            </a:r>
+            <a:endParaRPr/>
+          </a:p>
+        </p:txBody>
+      </p:sp>
+    </p:spTree>
+  </p:cSld>
+  <p:clrMapOvr>
+    <a:masterClrMapping/>
+  </p:clrMapOvr>
+</p:notes>
+</file>
+
+<file path=ppt/notesSlides/notesSlide14.xml><?xml version="1.0" encoding="utf-8"?>
+<p:notes xmlns:a="http://schemas.openxmlformats.org/drawingml/2006/main" xmlns:r="http://schemas.openxmlformats.org/officeDocument/2006/relationships" xmlns:mc="http://schemas.openxmlformats.org/markup-compatibility/2006" xmlns:mv="urn:schemas-microsoft-com:mac:vml" xmlns:p="http://schemas.openxmlformats.org/presentationml/2006/main" xmlns:c="http://schemas.openxmlformats.org/drawingml/2006/chart" xmlns:dgm="http://schemas.openxmlformats.org/drawingml/2006/diagram" xmlns:o="urn:schemas-microsoft-com:office:office" xmlns:v="urn:schemas-microsoft-com:vml" xmlns:pvml="urn:schemas-microsoft-com:office:powerpoint" xmlns:com="http://schemas.openxmlformats.org/drawingml/2006/compatibility" xmlns:p14="http://schemas.microsoft.com/office/powerpoint/2010/main" xmlns:p15="http://schemas.microsoft.com/office/powerpoint/2012/main" showMasterPhAnim="0" showMasterSp="0">
+  <p:cSld>
+    <p:spTree>
+      <p:nvGrpSpPr>
+        <p:cNvPr id="184" name="Shape 184"/>
+        <p:cNvGrpSpPr/>
+        <p:nvPr/>
+      </p:nvGrpSpPr>
+      <p:grpSpPr>
+        <a:xfrm>
+          <a:off x="0" y="0"/>
+          <a:ext cx="0" cy="0"/>
+          <a:chOff x="0" y="0"/>
+          <a:chExt cx="0" cy="0"/>
+        </a:xfrm>
+      </p:grpSpPr>
+      <p:sp>
+        <p:nvSpPr>
+          <p:cNvPr id="185" name="Google Shape;185;g49e9ea0bcc_0_25:notes"/>
+          <p:cNvSpPr/>
+          <p:nvPr>
+            <p:ph idx="2" type="sldImg"/>
+          </p:nvPr>
+        </p:nvSpPr>
+        <p:spPr>
+          <a:xfrm>
+            <a:off x="381175" y="685800"/>
+            <a:ext cx="6096300" cy="3429000"/>
+          </a:xfrm>
+          <a:custGeom>
+            <a:rect b="b" l="l" r="r" t="t"/>
+            <a:pathLst>
+              <a:path extrusionOk="0" h="120000" w="120000">
+                <a:moveTo>
+                  <a:pt x="0" y="0"/>
+                </a:moveTo>
+                <a:lnTo>
+                  <a:pt x="120000" y="0"/>
+                </a:lnTo>
+                <a:lnTo>
+                  <a:pt x="120000" y="120000"/>
+                </a:lnTo>
+                <a:lnTo>
+                  <a:pt x="0" y="120000"/>
+                </a:lnTo>
+                <a:close/>
+              </a:path>
+            </a:pathLst>
+          </a:custGeom>
+        </p:spPr>
+      </p:sp>
+      <p:sp>
+        <p:nvSpPr>
+          <p:cNvPr id="186" name="Google Shape;186;g49e9ea0bcc_0_25:notes"/>
           <p:cNvSpPr txBox="1"/>
           <p:nvPr>
             <p:ph idx="1" type="body"/>
@@ -1542,7 +1742,7 @@
       </p:grpSpPr>
       <p:sp>
         <p:nvSpPr>
-          <p:cNvPr id="84" name="Google Shape;84;g49f63aa3ef_0_1417:notes"/>
+          <p:cNvPr id="84" name="Google Shape;84;g49fc73f9be_0_226:notes"/>
           <p:cNvSpPr/>
           <p:nvPr>
             <p:ph idx="2" type="sldImg"/>
@@ -1577,7 +1777,7 @@
       </p:sp>
       <p:sp>
         <p:nvSpPr>
-          <p:cNvPr id="85" name="Google Shape;85;g49f63aa3ef_0_1417:notes"/>
+          <p:cNvPr id="85" name="Google Shape;85;g49fc73f9be_0_226:notes"/>
           <p:cNvSpPr txBox="1"/>
           <p:nvPr>
             <p:ph idx="1" type="body"/>
@@ -1627,7 +1827,7 @@
   <p:cSld>
     <p:spTree>
       <p:nvGrpSpPr>
-        <p:cNvPr id="90" name="Shape 90"/>
+        <p:cNvPr id="105" name="Shape 105"/>
         <p:cNvGrpSpPr/>
         <p:nvPr/>
       </p:nvGrpSpPr>
@@ -1641,7 +1841,7 @@
       </p:grpSpPr>
       <p:sp>
         <p:nvSpPr>
-          <p:cNvPr id="91" name="Google Shape;91;g49e9ea0bcc_0_5:notes"/>
+          <p:cNvPr id="106" name="Google Shape;106;g49f63aa3ef_0_1417:notes"/>
           <p:cNvSpPr/>
           <p:nvPr>
             <p:ph idx="2" type="sldImg"/>
@@ -1676,7 +1876,7 @@
       </p:sp>
       <p:sp>
         <p:nvSpPr>
-          <p:cNvPr id="92" name="Google Shape;92;g49e9ea0bcc_0_5:notes"/>
+          <p:cNvPr id="107" name="Google Shape;107;g49f63aa3ef_0_1417:notes"/>
           <p:cNvSpPr txBox="1"/>
           <p:nvPr>
             <p:ph idx="1" type="body"/>
@@ -1726,7 +1926,7 @@
   <p:cSld>
     <p:spTree>
       <p:nvGrpSpPr>
-        <p:cNvPr id="98" name="Shape 98"/>
+        <p:cNvPr id="112" name="Shape 112"/>
         <p:cNvGrpSpPr/>
         <p:nvPr/>
       </p:nvGrpSpPr>
@@ -1740,7 +1940,7 @@
       </p:grpSpPr>
       <p:sp>
         <p:nvSpPr>
-          <p:cNvPr id="99" name="Google Shape;99;g49e9ea0bcc_0_11:notes"/>
+          <p:cNvPr id="113" name="Google Shape;113;g49e9ea0bcc_0_5:notes"/>
           <p:cNvSpPr/>
           <p:nvPr>
             <p:ph idx="2" type="sldImg"/>
@@ -1775,7 +1975,7 @@
       </p:sp>
       <p:sp>
         <p:nvSpPr>
-          <p:cNvPr id="100" name="Google Shape;100;g49e9ea0bcc_0_11:notes"/>
+          <p:cNvPr id="114" name="Google Shape;114;g49e9ea0bcc_0_5:notes"/>
           <p:cNvSpPr txBox="1"/>
           <p:nvPr>
             <p:ph idx="1" type="body"/>
@@ -1825,7 +2025,7 @@
   <p:cSld>
     <p:spTree>
       <p:nvGrpSpPr>
-        <p:cNvPr id="106" name="Shape 106"/>
+        <p:cNvPr id="120" name="Shape 120"/>
         <p:cNvGrpSpPr/>
         <p:nvPr/>
       </p:nvGrpSpPr>
@@ -1839,7 +2039,7 @@
       </p:grpSpPr>
       <p:sp>
         <p:nvSpPr>
-          <p:cNvPr id="107" name="Google Shape;107;g49f63aa3ef_0_1968:notes"/>
+          <p:cNvPr id="121" name="Google Shape;121;g49e9ea0bcc_0_11:notes"/>
           <p:cNvSpPr/>
           <p:nvPr>
             <p:ph idx="2" type="sldImg"/>
@@ -1874,7 +2074,7 @@
       </p:sp>
       <p:sp>
         <p:nvSpPr>
-          <p:cNvPr id="108" name="Google Shape;108;g49f63aa3ef_0_1968:notes"/>
+          <p:cNvPr id="122" name="Google Shape;122;g49e9ea0bcc_0_11:notes"/>
           <p:cNvSpPr txBox="1"/>
           <p:nvPr>
             <p:ph idx="1" type="body"/>
@@ -1924,7 +2124,7 @@
   <p:cSld>
     <p:spTree>
       <p:nvGrpSpPr>
-        <p:cNvPr id="114" name="Shape 114"/>
+        <p:cNvPr id="128" name="Shape 128"/>
         <p:cNvGrpSpPr/>
         <p:nvPr/>
       </p:nvGrpSpPr>
@@ -1938,7 +2138,7 @@
       </p:grpSpPr>
       <p:sp>
         <p:nvSpPr>
-          <p:cNvPr id="115" name="Google Shape;115;g49f63aa3ef_2_2:notes"/>
+          <p:cNvPr id="129" name="Google Shape;129;g49f63aa3ef_0_1968:notes"/>
           <p:cNvSpPr/>
           <p:nvPr>
             <p:ph idx="2" type="sldImg"/>
@@ -1973,7 +2173,7 @@
       </p:sp>
       <p:sp>
         <p:nvSpPr>
-          <p:cNvPr id="116" name="Google Shape;116;g49f63aa3ef_2_2:notes"/>
+          <p:cNvPr id="130" name="Google Shape;130;g49f63aa3ef_0_1968:notes"/>
           <p:cNvSpPr txBox="1"/>
           <p:nvPr>
             <p:ph idx="1" type="body"/>
@@ -7516,7 +7716,7 @@
   <p:cSld>
     <p:spTree>
       <p:nvGrpSpPr>
-        <p:cNvPr id="124" name="Shape 124"/>
+        <p:cNvPr id="139" name="Shape 139"/>
         <p:cNvGrpSpPr/>
         <p:nvPr/>
       </p:nvGrpSpPr>
@@ -7530,7 +7730,7 @@
       </p:grpSpPr>
       <p:sp>
         <p:nvSpPr>
-          <p:cNvPr id="125" name="Google Shape;125;p22"/>
+          <p:cNvPr id="140" name="Google Shape;140;p22"/>
           <p:cNvSpPr txBox="1"/>
           <p:nvPr>
             <p:ph type="title"/>
@@ -7562,11 +7762,7 @@
             </a:pPr>
             <a:r>
               <a:rPr lang="en"/>
-              <a:t>Apach Spark (Spam </a:t>
-            </a:r>
-            <a:r>
-              <a:rPr lang="en"/>
-              <a:t>Detection)</a:t>
+              <a:t>Redis</a:t>
             </a:r>
             <a:endParaRPr/>
           </a:p>
@@ -7574,7 +7770,7 @@
       </p:sp>
       <p:sp>
         <p:nvSpPr>
-          <p:cNvPr id="126" name="Google Shape;126;p22"/>
+          <p:cNvPr id="141" name="Google Shape;141;p22"/>
           <p:cNvSpPr txBox="1"/>
           <p:nvPr>
             <p:ph idx="1" type="body"/>
@@ -7595,83 +7791,18 @@
           </a:bodyPr>
           <a:lstStyle/>
           <a:p>
-            <a:pPr indent="-342900" lvl="0" marL="457200" rtl="0" algn="l">
-              <a:spcBef>
-                <a:spcPts val="0"/>
-              </a:spcBef>
-              <a:spcAft>
-                <a:spcPts val="0"/>
-              </a:spcAft>
-              <a:buSzPts val="1800"/>
-              <a:buChar char="●"/>
+            <a:pPr indent="0" lvl="0" marL="0" rtl="0" algn="l">
+              <a:spcBef>
+                <a:spcPts val="0"/>
+              </a:spcBef>
+              <a:spcAft>
+                <a:spcPts val="0"/>
+              </a:spcAft>
+              <a:buNone/>
             </a:pPr>
             <a:r>
               <a:rPr lang="en"/>
-              <a:t>Machine learning method: LogisticRegression</a:t>
-            </a:r>
-            <a:endParaRPr/>
-          </a:p>
-          <a:p>
-            <a:pPr indent="0" lvl="0" marL="457200" rtl="0" algn="l">
-              <a:spcBef>
-                <a:spcPts val="1600"/>
-              </a:spcBef>
-              <a:spcAft>
-                <a:spcPts val="0"/>
-              </a:spcAft>
-              <a:buNone/>
-            </a:pPr>
-            <a:r>
-              <a:t/>
-            </a:r>
-            <a:endParaRPr/>
-          </a:p>
-          <a:p>
-            <a:pPr indent="-342900" lvl="0" marL="457200" rtl="0" algn="l">
-              <a:spcBef>
-                <a:spcPts val="1600"/>
-              </a:spcBef>
-              <a:spcAft>
-                <a:spcPts val="0"/>
-              </a:spcAft>
-              <a:buSzPts val="1800"/>
-              <a:buChar char="●"/>
-            </a:pPr>
-            <a:r>
-              <a:rPr lang="en"/>
-              <a:t>Accuracy</a:t>
-            </a:r>
-            <a:endParaRPr/>
-          </a:p>
-          <a:p>
-            <a:pPr indent="0" lvl="0" marL="457200" rtl="0" algn="l">
-              <a:spcBef>
-                <a:spcPts val="1600"/>
-              </a:spcBef>
-              <a:spcAft>
-                <a:spcPts val="0"/>
-              </a:spcAft>
-              <a:buNone/>
-            </a:pPr>
-            <a:r>
-              <a:t/>
-            </a:r>
-            <a:endParaRPr/>
-          </a:p>
-          <a:p>
-            <a:pPr indent="-342900" lvl="0" marL="457200" rtl="0" algn="l">
-              <a:spcBef>
-                <a:spcPts val="1600"/>
-              </a:spcBef>
-              <a:spcAft>
-                <a:spcPts val="0"/>
-              </a:spcAft>
-              <a:buSzPts val="1800"/>
-              <a:buChar char="●"/>
-            </a:pPr>
-            <a:r>
-              <a:rPr lang="en"/>
-              <a:t>Prediction</a:t>
+              <a:t>Redis-scala is a library build with AKKA for scala to connect to redis.</a:t>
             </a:r>
             <a:endParaRPr/>
           </a:p>
@@ -7681,12 +7812,45 @@
                 <a:spcPts val="1600"/>
               </a:spcBef>
               <a:spcAft>
-                <a:spcPts val="1600"/>
+                <a:spcPts val="0"/>
               </a:spcAft>
               <a:buNone/>
             </a:pPr>
             <a:r>
-              <a:t/>
+              <a:rPr lang="en"/>
+              <a:t>Redis is a non-relational database which takes fewer space than MYSQL and stores everything as string which is perfect for interacting front-end throw json.</a:t>
+            </a:r>
+            <a:endParaRPr/>
+          </a:p>
+          <a:p>
+            <a:pPr indent="0" lvl="0" marL="0" rtl="0" algn="l">
+              <a:spcBef>
+                <a:spcPts val="1600"/>
+              </a:spcBef>
+              <a:spcAft>
+                <a:spcPts val="0"/>
+              </a:spcAft>
+              <a:buNone/>
+            </a:pPr>
+            <a:r>
+              <a:rPr lang="en"/>
+              <a:t>Redis uses key-value pattern so we can retrieve the backlinks through it. </a:t>
+            </a:r>
+            <a:endParaRPr/>
+          </a:p>
+          <a:p>
+            <a:pPr indent="0" lvl="0" marL="0" rtl="0" algn="l">
+              <a:spcBef>
+                <a:spcPts val="1600"/>
+              </a:spcBef>
+              <a:spcAft>
+                <a:spcPts val="1600"/>
+              </a:spcAft>
+              <a:buNone/>
+            </a:pPr>
+            <a:r>
+              <a:rPr lang="en"/>
+              <a:t>RedisGraph will be a better choice of dataset but it’s not supported on Scala.</a:t>
             </a:r>
             <a:endParaRPr/>
           </a:p>
@@ -7694,7 +7858,7 @@
       </p:sp>
       <p:sp>
         <p:nvSpPr>
-          <p:cNvPr id="127" name="Google Shape;127;p22"/>
+          <p:cNvPr id="142" name="Google Shape;142;p22"/>
           <p:cNvSpPr txBox="1"/>
           <p:nvPr>
             <p:ph idx="12" type="sldNum"/>
@@ -7739,7 +7903,7 @@
       </p:sp>
       <p:pic>
         <p:nvPicPr>
-          <p:cNvPr id="128" name="Google Shape;128;p22"/>
+          <p:cNvPr id="143" name="Google Shape;143;p22"/>
           <p:cNvPicPr preferRelativeResize="0"/>
           <p:nvPr/>
         </p:nvPicPr>
@@ -7753,92 +7917,8 @@
         </p:blipFill>
         <p:spPr>
           <a:xfrm>
-            <a:off x="920650" y="2725763"/>
-            <a:ext cx="3854642" cy="269825"/>
-          </a:xfrm>
-          <a:prstGeom prst="rect">
-            <a:avLst/>
-          </a:prstGeom>
-          <a:noFill/>
-          <a:ln>
-            <a:noFill/>
-          </a:ln>
-        </p:spPr>
-      </p:pic>
-      <p:pic>
-        <p:nvPicPr>
-          <p:cNvPr id="129" name="Google Shape;129;p22"/>
-          <p:cNvPicPr preferRelativeResize="0"/>
-          <p:nvPr/>
-        </p:nvPicPr>
-        <p:blipFill>
-          <a:blip r:embed="rId4">
-            <a:alphaModFix/>
-          </a:blip>
-          <a:stretch>
-            <a:fillRect/>
-          </a:stretch>
-        </p:blipFill>
-        <p:spPr>
-          <a:xfrm>
-            <a:off x="920646" y="3683075"/>
-            <a:ext cx="7455103" cy="269825"/>
-          </a:xfrm>
-          <a:prstGeom prst="rect">
-            <a:avLst/>
-          </a:prstGeom>
-          <a:noFill/>
-          <a:ln>
-            <a:noFill/>
-          </a:ln>
-        </p:spPr>
-      </p:pic>
-      <p:pic>
-        <p:nvPicPr>
-          <p:cNvPr id="130" name="Google Shape;130;p22"/>
-          <p:cNvPicPr preferRelativeResize="0"/>
-          <p:nvPr/>
-        </p:nvPicPr>
-        <p:blipFill>
-          <a:blip r:embed="rId5">
-            <a:alphaModFix/>
-          </a:blip>
-          <a:stretch>
-            <a:fillRect/>
-          </a:stretch>
-        </p:blipFill>
-        <p:spPr>
-          <a:xfrm>
-            <a:off x="920650" y="4171000"/>
-            <a:ext cx="3175633" cy="269825"/>
-          </a:xfrm>
-          <a:prstGeom prst="rect">
-            <a:avLst/>
-          </a:prstGeom>
-          <a:noFill/>
-          <a:ln>
-            <a:noFill/>
-          </a:ln>
-        </p:spPr>
-      </p:pic>
-      <p:pic>
-        <p:nvPicPr>
-          <p:cNvPr id="131" name="Google Shape;131;p22"/>
-          <p:cNvPicPr preferRelativeResize="0"/>
-          <p:nvPr/>
-        </p:nvPicPr>
-        <p:blipFill>
-          <a:blip r:embed="rId6">
-            <a:alphaModFix/>
-          </a:blip>
-          <a:stretch>
-            <a:fillRect/>
-          </a:stretch>
-        </p:blipFill>
-        <p:spPr>
-          <a:xfrm>
-            <a:off x="920650" y="1556900"/>
-            <a:ext cx="6374025" cy="623400"/>
+            <a:off x="3678556" y="3579775"/>
+            <a:ext cx="1482075" cy="1273975"/>
           </a:xfrm>
           <a:prstGeom prst="rect">
             <a:avLst/>
@@ -7862,7 +7942,7 @@
   <p:cSld>
     <p:spTree>
       <p:nvGrpSpPr>
-        <p:cNvPr id="135" name="Shape 135"/>
+        <p:cNvPr id="147" name="Shape 147"/>
         <p:cNvGrpSpPr/>
         <p:nvPr/>
       </p:nvGrpSpPr>
@@ -7876,7 +7956,1164 @@
       </p:grpSpPr>
       <p:sp>
         <p:nvSpPr>
-          <p:cNvPr id="136" name="Google Shape;136;p23"/>
+          <p:cNvPr id="148" name="Google Shape;148;p23"/>
+          <p:cNvSpPr txBox="1"/>
+          <p:nvPr>
+            <p:ph type="title"/>
+          </p:nvPr>
+        </p:nvSpPr>
+        <p:spPr>
+          <a:xfrm>
+            <a:off x="311700" y="445025"/>
+            <a:ext cx="8520600" cy="623400"/>
+          </a:xfrm>
+          <a:prstGeom prst="rect">
+            <a:avLst/>
+          </a:prstGeom>
+        </p:spPr>
+        <p:txBody>
+          <a:bodyPr anchorCtr="0" anchor="t" bIns="91425" lIns="91425" spcFirstLastPara="1" rIns="91425" wrap="square" tIns="91425">
+            <a:noAutofit/>
+          </a:bodyPr>
+          <a:lstStyle/>
+          <a:p>
+            <a:pPr indent="0" lvl="0" marL="0" rtl="0" algn="l">
+              <a:spcBef>
+                <a:spcPts val="0"/>
+              </a:spcBef>
+              <a:spcAft>
+                <a:spcPts val="0"/>
+              </a:spcAft>
+              <a:buNone/>
+            </a:pPr>
+            <a:r>
+              <a:rPr lang="en"/>
+              <a:t>Apache Spark (Spam URL </a:t>
+            </a:r>
+            <a:r>
+              <a:rPr lang="en"/>
+              <a:t>Detection)</a:t>
+            </a:r>
+            <a:endParaRPr/>
+          </a:p>
+        </p:txBody>
+      </p:sp>
+      <p:sp>
+        <p:nvSpPr>
+          <p:cNvPr id="149" name="Google Shape;149;p23"/>
+          <p:cNvSpPr txBox="1"/>
+          <p:nvPr>
+            <p:ph idx="1" type="body"/>
+          </p:nvPr>
+        </p:nvSpPr>
+        <p:spPr>
+          <a:xfrm>
+            <a:off x="311700" y="1152475"/>
+            <a:ext cx="8520600" cy="3416400"/>
+          </a:xfrm>
+          <a:prstGeom prst="rect">
+            <a:avLst/>
+          </a:prstGeom>
+        </p:spPr>
+        <p:txBody>
+          <a:bodyPr anchorCtr="0" anchor="t" bIns="91425" lIns="91425" spcFirstLastPara="1" rIns="91425" wrap="square" tIns="91425">
+            <a:noAutofit/>
+          </a:bodyPr>
+          <a:lstStyle/>
+          <a:p>
+            <a:pPr indent="-342900" lvl="0" marL="457200" rtl="0" algn="l">
+              <a:spcBef>
+                <a:spcPts val="0"/>
+              </a:spcBef>
+              <a:spcAft>
+                <a:spcPts val="0"/>
+              </a:spcAft>
+              <a:buSzPts val="1800"/>
+              <a:buChar char="●"/>
+            </a:pPr>
+            <a:r>
+              <a:rPr lang="en"/>
+              <a:t>Machine learning method: LogisticRegression &amp; Naive Bayes</a:t>
+            </a:r>
+            <a:endParaRPr/>
+          </a:p>
+          <a:p>
+            <a:pPr indent="0" lvl="0" marL="457200" rtl="0" algn="l">
+              <a:spcBef>
+                <a:spcPts val="1600"/>
+              </a:spcBef>
+              <a:spcAft>
+                <a:spcPts val="0"/>
+              </a:spcAft>
+              <a:buNone/>
+            </a:pPr>
+            <a:r>
+              <a:t/>
+            </a:r>
+            <a:endParaRPr/>
+          </a:p>
+          <a:p>
+            <a:pPr indent="0" lvl="0" marL="457200" rtl="0" algn="l">
+              <a:spcBef>
+                <a:spcPts val="1600"/>
+              </a:spcBef>
+              <a:spcAft>
+                <a:spcPts val="0"/>
+              </a:spcAft>
+              <a:buNone/>
+            </a:pPr>
+            <a:r>
+              <a:t/>
+            </a:r>
+            <a:endParaRPr/>
+          </a:p>
+          <a:p>
+            <a:pPr indent="0" lvl="0" marL="457200" rtl="0" algn="l">
+              <a:spcBef>
+                <a:spcPts val="1600"/>
+              </a:spcBef>
+              <a:spcAft>
+                <a:spcPts val="0"/>
+              </a:spcAft>
+              <a:buNone/>
+            </a:pPr>
+            <a:r>
+              <a:t/>
+            </a:r>
+            <a:endParaRPr/>
+          </a:p>
+          <a:p>
+            <a:pPr indent="-342900" lvl="0" marL="457200" rtl="0" algn="l">
+              <a:spcBef>
+                <a:spcPts val="1600"/>
+              </a:spcBef>
+              <a:spcAft>
+                <a:spcPts val="0"/>
+              </a:spcAft>
+              <a:buSzPts val="1800"/>
+              <a:buChar char="●"/>
+            </a:pPr>
+            <a:r>
+              <a:rPr lang="en"/>
+              <a:t>Prediction</a:t>
+            </a:r>
+            <a:endParaRPr/>
+          </a:p>
+          <a:p>
+            <a:pPr indent="0" lvl="0" marL="0" rtl="0" algn="l">
+              <a:spcBef>
+                <a:spcPts val="1600"/>
+              </a:spcBef>
+              <a:spcAft>
+                <a:spcPts val="1600"/>
+              </a:spcAft>
+              <a:buNone/>
+            </a:pPr>
+            <a:r>
+              <a:t/>
+            </a:r>
+            <a:endParaRPr/>
+          </a:p>
+        </p:txBody>
+      </p:sp>
+      <p:sp>
+        <p:nvSpPr>
+          <p:cNvPr id="150" name="Google Shape;150;p23"/>
+          <p:cNvSpPr txBox="1"/>
+          <p:nvPr>
+            <p:ph idx="12" type="sldNum"/>
+          </p:nvPr>
+        </p:nvSpPr>
+        <p:spPr>
+          <a:xfrm>
+            <a:off x="8497999" y="4688759"/>
+            <a:ext cx="548700" cy="393600"/>
+          </a:xfrm>
+          <a:prstGeom prst="rect">
+            <a:avLst/>
+          </a:prstGeom>
+        </p:spPr>
+        <p:txBody>
+          <a:bodyPr anchorCtr="0" anchor="ctr" bIns="91425" lIns="91425" spcFirstLastPara="1" rIns="91425" wrap="square" tIns="91425">
+            <a:noAutofit/>
+          </a:bodyPr>
+          <a:lstStyle/>
+          <a:p>
+            <a:pPr indent="0" lvl="0" marL="0" rtl="0" algn="r">
+              <a:spcBef>
+                <a:spcPts val="0"/>
+              </a:spcBef>
+              <a:spcAft>
+                <a:spcPts val="0"/>
+              </a:spcAft>
+              <a:buClr>
+                <a:srgbClr val="000000"/>
+              </a:buClr>
+              <a:buSzPts val="1100"/>
+              <a:buFont typeface="Arial"/>
+              <a:buNone/>
+            </a:pPr>
+            <a:fld id="{00000000-1234-1234-1234-123412341234}" type="slidenum">
+              <a:rPr lang="en"/>
+              <a:t>‹#›</a:t>
+            </a:fld>
+            <a:endParaRPr/>
+          </a:p>
+        </p:txBody>
+      </p:sp>
+      <p:pic>
+        <p:nvPicPr>
+          <p:cNvPr id="151" name="Google Shape;151;p23"/>
+          <p:cNvPicPr preferRelativeResize="0"/>
+          <p:nvPr/>
+        </p:nvPicPr>
+        <p:blipFill>
+          <a:blip r:embed="rId3">
+            <a:alphaModFix/>
+          </a:blip>
+          <a:stretch>
+            <a:fillRect/>
+          </a:stretch>
+        </p:blipFill>
+        <p:spPr>
+          <a:xfrm>
+            <a:off x="920650" y="3683075"/>
+            <a:ext cx="6261499" cy="269825"/>
+          </a:xfrm>
+          <a:prstGeom prst="rect">
+            <a:avLst/>
+          </a:prstGeom>
+          <a:noFill/>
+          <a:ln>
+            <a:noFill/>
+          </a:ln>
+        </p:spPr>
+      </p:pic>
+      <p:pic>
+        <p:nvPicPr>
+          <p:cNvPr id="152" name="Google Shape;152;p23"/>
+          <p:cNvPicPr preferRelativeResize="0"/>
+          <p:nvPr/>
+        </p:nvPicPr>
+        <p:blipFill>
+          <a:blip r:embed="rId4">
+            <a:alphaModFix/>
+          </a:blip>
+          <a:stretch>
+            <a:fillRect/>
+          </a:stretch>
+        </p:blipFill>
+        <p:spPr>
+          <a:xfrm>
+            <a:off x="920650" y="4171000"/>
+            <a:ext cx="2758299" cy="269825"/>
+          </a:xfrm>
+          <a:prstGeom prst="rect">
+            <a:avLst/>
+          </a:prstGeom>
+          <a:noFill/>
+          <a:ln>
+            <a:noFill/>
+          </a:ln>
+        </p:spPr>
+      </p:pic>
+      <p:pic>
+        <p:nvPicPr>
+          <p:cNvPr id="153" name="Google Shape;153;p23"/>
+          <p:cNvPicPr preferRelativeResize="0"/>
+          <p:nvPr/>
+        </p:nvPicPr>
+        <p:blipFill>
+          <a:blip r:embed="rId5">
+            <a:alphaModFix/>
+          </a:blip>
+          <a:stretch>
+            <a:fillRect/>
+          </a:stretch>
+        </p:blipFill>
+        <p:spPr>
+          <a:xfrm>
+            <a:off x="920650" y="1633100"/>
+            <a:ext cx="4671627" cy="456900"/>
+          </a:xfrm>
+          <a:prstGeom prst="rect">
+            <a:avLst/>
+          </a:prstGeom>
+          <a:noFill/>
+          <a:ln>
+            <a:noFill/>
+          </a:ln>
+        </p:spPr>
+      </p:pic>
+      <p:pic>
+        <p:nvPicPr>
+          <p:cNvPr id="154" name="Google Shape;154;p23"/>
+          <p:cNvPicPr preferRelativeResize="0"/>
+          <p:nvPr/>
+        </p:nvPicPr>
+        <p:blipFill>
+          <a:blip r:embed="rId6">
+            <a:alphaModFix/>
+          </a:blip>
+          <a:stretch>
+            <a:fillRect/>
+          </a:stretch>
+        </p:blipFill>
+        <p:spPr>
+          <a:xfrm>
+            <a:off x="468750" y="2255000"/>
+            <a:ext cx="1259183" cy="269825"/>
+          </a:xfrm>
+          <a:prstGeom prst="rect">
+            <a:avLst/>
+          </a:prstGeom>
+          <a:noFill/>
+          <a:ln>
+            <a:noFill/>
+          </a:ln>
+        </p:spPr>
+      </p:pic>
+      <p:pic>
+        <p:nvPicPr>
+          <p:cNvPr id="155" name="Google Shape;155;p23"/>
+          <p:cNvPicPr preferRelativeResize="0"/>
+          <p:nvPr/>
+        </p:nvPicPr>
+        <p:blipFill>
+          <a:blip r:embed="rId7">
+            <a:alphaModFix/>
+          </a:blip>
+          <a:stretch>
+            <a:fillRect/>
+          </a:stretch>
+        </p:blipFill>
+        <p:spPr>
+          <a:xfrm>
+            <a:off x="468750" y="2837224"/>
+            <a:ext cx="1253700" cy="245548"/>
+          </a:xfrm>
+          <a:prstGeom prst="rect">
+            <a:avLst/>
+          </a:prstGeom>
+          <a:noFill/>
+          <a:ln>
+            <a:noFill/>
+          </a:ln>
+        </p:spPr>
+      </p:pic>
+      <p:cxnSp>
+        <p:nvCxnSpPr>
+          <p:cNvPr id="156" name="Google Shape;156;p23"/>
+          <p:cNvCxnSpPr>
+            <a:stCxn id="154" idx="3"/>
+          </p:cNvCxnSpPr>
+          <p:nvPr/>
+        </p:nvCxnSpPr>
+        <p:spPr>
+          <a:xfrm>
+            <a:off x="1727933" y="2389913"/>
+            <a:ext cx="1318200" cy="246300"/>
+          </a:xfrm>
+          <a:prstGeom prst="straightConnector1">
+            <a:avLst/>
+          </a:prstGeom>
+          <a:noFill/>
+          <a:ln cap="flat" cmpd="sng" w="9525">
+            <a:solidFill>
+              <a:schemeClr val="dk2"/>
+            </a:solidFill>
+            <a:prstDash val="solid"/>
+            <a:round/>
+            <a:headEnd len="med" w="med" type="none"/>
+            <a:tailEnd len="med" w="med" type="triangle"/>
+          </a:ln>
+        </p:spPr>
+      </p:cxnSp>
+      <p:cxnSp>
+        <p:nvCxnSpPr>
+          <p:cNvPr id="157" name="Google Shape;157;p23"/>
+          <p:cNvCxnSpPr>
+            <a:stCxn id="155" idx="3"/>
+          </p:cNvCxnSpPr>
+          <p:nvPr/>
+        </p:nvCxnSpPr>
+        <p:spPr>
+          <a:xfrm flipH="1" rot="10800000">
+            <a:off x="1722450" y="2636298"/>
+            <a:ext cx="1359000" cy="323700"/>
+          </a:xfrm>
+          <a:prstGeom prst="straightConnector1">
+            <a:avLst/>
+          </a:prstGeom>
+          <a:noFill/>
+          <a:ln cap="flat" cmpd="sng" w="9525">
+            <a:solidFill>
+              <a:schemeClr val="dk2"/>
+            </a:solidFill>
+            <a:prstDash val="solid"/>
+            <a:round/>
+            <a:headEnd len="med" w="med" type="none"/>
+            <a:tailEnd len="med" w="med" type="triangle"/>
+          </a:ln>
+        </p:spPr>
+      </p:cxnSp>
+      <p:sp>
+        <p:nvSpPr>
+          <p:cNvPr id="158" name="Google Shape;158;p23"/>
+          <p:cNvSpPr txBox="1"/>
+          <p:nvPr/>
+        </p:nvSpPr>
+        <p:spPr>
+          <a:xfrm>
+            <a:off x="2103150" y="2443625"/>
+            <a:ext cx="726600" cy="393600"/>
+          </a:xfrm>
+          <a:prstGeom prst="rect">
+            <a:avLst/>
+          </a:prstGeom>
+          <a:noFill/>
+          <a:ln>
+            <a:noFill/>
+          </a:ln>
+        </p:spPr>
+        <p:txBody>
+          <a:bodyPr anchorCtr="0" anchor="t" bIns="91425" lIns="91425" spcFirstLastPara="1" rIns="91425" wrap="square" tIns="91425">
+            <a:noAutofit/>
+          </a:bodyPr>
+          <a:lstStyle/>
+          <a:p>
+            <a:pPr indent="0" lvl="0" marL="0" rtl="0" algn="l">
+              <a:spcBef>
+                <a:spcPts val="0"/>
+              </a:spcBef>
+              <a:spcAft>
+                <a:spcPts val="0"/>
+              </a:spcAft>
+              <a:buNone/>
+            </a:pPr>
+            <a:r>
+              <a:rPr lang="en" sz="1200"/>
+              <a:t>Merge</a:t>
+            </a:r>
+            <a:endParaRPr sz="1200"/>
+          </a:p>
+        </p:txBody>
+      </p:sp>
+      <p:graphicFrame>
+        <p:nvGraphicFramePr>
+          <p:cNvPr id="159" name="Google Shape;159;p23"/>
+          <p:cNvGraphicFramePr/>
+          <p:nvPr/>
+        </p:nvGraphicFramePr>
+        <p:xfrm>
+          <a:off x="3046125" y="2259063"/>
+          <a:ext cx="3000000" cy="3000000"/>
+        </p:xfrm>
+        <a:graphic>
+          <a:graphicData uri="http://schemas.openxmlformats.org/drawingml/2006/table">
+            <a:tbl>
+              <a:tblPr>
+                <a:noFill/>
+                <a:tableStyleId>{28252D77-D67E-47A7-98E0-78A151709906}</a:tableStyleId>
+              </a:tblPr>
+              <a:tblGrid>
+                <a:gridCol w="1603400"/>
+              </a:tblGrid>
+              <a:tr h="161850">
+                <a:tc>
+                  <a:txBody>
+                    <a:bodyPr>
+                      <a:noAutofit/>
+                    </a:bodyPr>
+                    <a:lstStyle/>
+                    <a:p>
+                      <a:pPr indent="0" lvl="0" marL="0" rtl="0" algn="l">
+                        <a:spcBef>
+                          <a:spcPts val="0"/>
+                        </a:spcBef>
+                        <a:spcAft>
+                          <a:spcPts val="0"/>
+                        </a:spcAft>
+                        <a:buNone/>
+                      </a:pPr>
+                      <a:r>
+                        <a:rPr lang="en" sz="950"/>
+                        <a:t>Training Data (10k URLs)</a:t>
+                      </a:r>
+                      <a:endParaRPr sz="950"/>
+                    </a:p>
+                  </a:txBody>
+                  <a:tcPr marT="91425" marB="91425" marR="91425" marL="91425"/>
+                </a:tc>
+              </a:tr>
+              <a:tr h="161850">
+                <a:tc>
+                  <a:txBody>
+                    <a:bodyPr>
+                      <a:noAutofit/>
+                    </a:bodyPr>
+                    <a:lstStyle/>
+                    <a:p>
+                      <a:pPr indent="0" lvl="0" marL="0" rtl="0" algn="l">
+                        <a:spcBef>
+                          <a:spcPts val="0"/>
+                        </a:spcBef>
+                        <a:spcAft>
+                          <a:spcPts val="0"/>
+                        </a:spcAft>
+                        <a:buNone/>
+                      </a:pPr>
+                      <a:r>
+                        <a:rPr lang="en" sz="1200"/>
+                        <a:t>Test Data (8K URLs)</a:t>
+                      </a:r>
+                      <a:endParaRPr sz="1200"/>
+                    </a:p>
+                  </a:txBody>
+                  <a:tcPr marT="91425" marB="91425" marR="91425" marL="91425"/>
+                </a:tc>
+              </a:tr>
+            </a:tbl>
+          </a:graphicData>
+        </a:graphic>
+      </p:graphicFrame>
+      <p:cxnSp>
+        <p:nvCxnSpPr>
+          <p:cNvPr id="160" name="Google Shape;160;p23"/>
+          <p:cNvCxnSpPr/>
+          <p:nvPr/>
+        </p:nvCxnSpPr>
+        <p:spPr>
+          <a:xfrm flipH="1" rot="10800000">
+            <a:off x="4674850" y="2425300"/>
+            <a:ext cx="1370700" cy="11700"/>
+          </a:xfrm>
+          <a:prstGeom prst="straightConnector1">
+            <a:avLst/>
+          </a:prstGeom>
+          <a:noFill/>
+          <a:ln cap="flat" cmpd="sng" w="9525">
+            <a:solidFill>
+              <a:schemeClr val="dk2"/>
+            </a:solidFill>
+            <a:prstDash val="solid"/>
+            <a:round/>
+            <a:headEnd len="med" w="med" type="none"/>
+            <a:tailEnd len="med" w="med" type="triangle"/>
+          </a:ln>
+        </p:spPr>
+      </p:cxnSp>
+      <p:sp>
+        <p:nvSpPr>
+          <p:cNvPr id="161" name="Google Shape;161;p23"/>
+          <p:cNvSpPr txBox="1"/>
+          <p:nvPr/>
+        </p:nvSpPr>
+        <p:spPr>
+          <a:xfrm>
+            <a:off x="5018300" y="2372425"/>
+            <a:ext cx="1048500" cy="393600"/>
+          </a:xfrm>
+          <a:prstGeom prst="rect">
+            <a:avLst/>
+          </a:prstGeom>
+          <a:noFill/>
+          <a:ln>
+            <a:noFill/>
+          </a:ln>
+        </p:spPr>
+        <p:txBody>
+          <a:bodyPr anchorCtr="0" anchor="t" bIns="91425" lIns="91425" spcFirstLastPara="1" rIns="91425" wrap="square" tIns="91425">
+            <a:noAutofit/>
+          </a:bodyPr>
+          <a:lstStyle/>
+          <a:p>
+            <a:pPr indent="0" lvl="0" marL="0" rtl="0" algn="l">
+              <a:spcBef>
+                <a:spcPts val="0"/>
+              </a:spcBef>
+              <a:spcAft>
+                <a:spcPts val="0"/>
+              </a:spcAft>
+              <a:buNone/>
+            </a:pPr>
+            <a:r>
+              <a:rPr lang="en" sz="1200"/>
+              <a:t>LG &amp; NB</a:t>
+            </a:r>
+            <a:endParaRPr sz="1200"/>
+          </a:p>
+        </p:txBody>
+      </p:sp>
+      <p:graphicFrame>
+        <p:nvGraphicFramePr>
+          <p:cNvPr id="162" name="Google Shape;162;p23"/>
+          <p:cNvGraphicFramePr/>
+          <p:nvPr/>
+        </p:nvGraphicFramePr>
+        <p:xfrm>
+          <a:off x="6143000" y="2228850"/>
+          <a:ext cx="3000000" cy="3000000"/>
+        </p:xfrm>
+        <a:graphic>
+          <a:graphicData uri="http://schemas.openxmlformats.org/drawingml/2006/table">
+            <a:tbl>
+              <a:tblPr>
+                <a:noFill/>
+                <a:tableStyleId>{28252D77-D67E-47A7-98E0-78A151709906}</a:tableStyleId>
+              </a:tblPr>
+              <a:tblGrid>
+                <a:gridCol w="726600"/>
+              </a:tblGrid>
+              <a:tr h="381000">
+                <a:tc>
+                  <a:txBody>
+                    <a:bodyPr>
+                      <a:noAutofit/>
+                    </a:bodyPr>
+                    <a:lstStyle/>
+                    <a:p>
+                      <a:pPr indent="0" lvl="0" marL="0" rtl="0" algn="l">
+                        <a:spcBef>
+                          <a:spcPts val="0"/>
+                        </a:spcBef>
+                        <a:spcAft>
+                          <a:spcPts val="0"/>
+                        </a:spcAft>
+                        <a:buNone/>
+                      </a:pPr>
+                      <a:r>
+                        <a:rPr lang="en"/>
+                        <a:t>Model</a:t>
+                      </a:r>
+                      <a:endParaRPr/>
+                    </a:p>
+                  </a:txBody>
+                  <a:tcPr marT="91425" marB="91425" marR="91425" marL="91425"/>
+                </a:tc>
+              </a:tr>
+            </a:tbl>
+          </a:graphicData>
+        </a:graphic>
+      </p:graphicFrame>
+      <p:graphicFrame>
+        <p:nvGraphicFramePr>
+          <p:cNvPr id="163" name="Google Shape;163;p23"/>
+          <p:cNvGraphicFramePr/>
+          <p:nvPr/>
+        </p:nvGraphicFramePr>
+        <p:xfrm>
+          <a:off x="6066800" y="2990850"/>
+          <a:ext cx="3000000" cy="3000000"/>
+        </p:xfrm>
+        <a:graphic>
+          <a:graphicData uri="http://schemas.openxmlformats.org/drawingml/2006/table">
+            <a:tbl>
+              <a:tblPr>
+                <a:noFill/>
+                <a:tableStyleId>{28252D77-D67E-47A7-98E0-78A151709906}</a:tableStyleId>
+              </a:tblPr>
+              <a:tblGrid>
+                <a:gridCol w="1048500"/>
+              </a:tblGrid>
+              <a:tr h="381000">
+                <a:tc>
+                  <a:txBody>
+                    <a:bodyPr>
+                      <a:noAutofit/>
+                    </a:bodyPr>
+                    <a:lstStyle/>
+                    <a:p>
+                      <a:pPr indent="0" lvl="0" marL="0" rtl="0" algn="l">
+                        <a:spcBef>
+                          <a:spcPts val="0"/>
+                        </a:spcBef>
+                        <a:spcAft>
+                          <a:spcPts val="0"/>
+                        </a:spcAft>
+                        <a:buNone/>
+                      </a:pPr>
+                      <a:r>
+                        <a:rPr lang="en"/>
+                        <a:t>User Input</a:t>
+                      </a:r>
+                      <a:endParaRPr/>
+                    </a:p>
+                  </a:txBody>
+                  <a:tcPr marT="91425" marB="91425" marR="91425" marL="91425"/>
+                </a:tc>
+              </a:tr>
+            </a:tbl>
+          </a:graphicData>
+        </a:graphic>
+      </p:graphicFrame>
+      <p:cxnSp>
+        <p:nvCxnSpPr>
+          <p:cNvPr id="164" name="Google Shape;164;p23"/>
+          <p:cNvCxnSpPr/>
+          <p:nvPr/>
+        </p:nvCxnSpPr>
+        <p:spPr>
+          <a:xfrm>
+            <a:off x="6869608" y="2517263"/>
+            <a:ext cx="734400" cy="142500"/>
+          </a:xfrm>
+          <a:prstGeom prst="straightConnector1">
+            <a:avLst/>
+          </a:prstGeom>
+          <a:noFill/>
+          <a:ln cap="flat" cmpd="sng" w="9525">
+            <a:solidFill>
+              <a:schemeClr val="dk2"/>
+            </a:solidFill>
+            <a:prstDash val="solid"/>
+            <a:round/>
+            <a:headEnd len="med" w="med" type="none"/>
+            <a:tailEnd len="med" w="med" type="triangle"/>
+          </a:ln>
+        </p:spPr>
+      </p:cxnSp>
+      <p:cxnSp>
+        <p:nvCxnSpPr>
+          <p:cNvPr id="165" name="Google Shape;165;p23"/>
+          <p:cNvCxnSpPr/>
+          <p:nvPr/>
+        </p:nvCxnSpPr>
+        <p:spPr>
+          <a:xfrm flipH="1" rot="10800000">
+            <a:off x="7115300" y="2671248"/>
+            <a:ext cx="465300" cy="546600"/>
+          </a:xfrm>
+          <a:prstGeom prst="straightConnector1">
+            <a:avLst/>
+          </a:prstGeom>
+          <a:noFill/>
+          <a:ln cap="flat" cmpd="sng" w="9525">
+            <a:solidFill>
+              <a:schemeClr val="dk2"/>
+            </a:solidFill>
+            <a:prstDash val="solid"/>
+            <a:round/>
+            <a:headEnd len="med" w="med" type="none"/>
+            <a:tailEnd len="med" w="med" type="triangle"/>
+          </a:ln>
+        </p:spPr>
+      </p:cxnSp>
+      <p:graphicFrame>
+        <p:nvGraphicFramePr>
+          <p:cNvPr id="166" name="Google Shape;166;p23"/>
+          <p:cNvGraphicFramePr/>
+          <p:nvPr/>
+        </p:nvGraphicFramePr>
+        <p:xfrm>
+          <a:off x="7618125" y="2259063"/>
+          <a:ext cx="3000000" cy="3000000"/>
+        </p:xfrm>
+        <a:graphic>
+          <a:graphicData uri="http://schemas.openxmlformats.org/drawingml/2006/table">
+            <a:tbl>
+              <a:tblPr>
+                <a:noFill/>
+                <a:tableStyleId>{28252D77-D67E-47A7-98E0-78A151709906}</a:tableStyleId>
+              </a:tblPr>
+              <a:tblGrid>
+                <a:gridCol w="1359000"/>
+              </a:tblGrid>
+              <a:tr h="161850">
+                <a:tc>
+                  <a:txBody>
+                    <a:bodyPr>
+                      <a:noAutofit/>
+                    </a:bodyPr>
+                    <a:lstStyle/>
+                    <a:p>
+                      <a:pPr indent="0" lvl="0" marL="0" rtl="0" algn="l">
+                        <a:spcBef>
+                          <a:spcPts val="0"/>
+                        </a:spcBef>
+                        <a:spcAft>
+                          <a:spcPts val="0"/>
+                        </a:spcAft>
+                        <a:buNone/>
+                      </a:pPr>
+                      <a:r>
+                        <a:rPr lang="en" sz="1200"/>
+                        <a:t>Spam URL</a:t>
+                      </a:r>
+                      <a:endParaRPr sz="1200"/>
+                    </a:p>
+                  </a:txBody>
+                  <a:tcPr marT="91425" marB="91425" marR="91425" marL="91425"/>
+                </a:tc>
+              </a:tr>
+              <a:tr h="161850">
+                <a:tc>
+                  <a:txBody>
+                    <a:bodyPr>
+                      <a:noAutofit/>
+                    </a:bodyPr>
+                    <a:lstStyle/>
+                    <a:p>
+                      <a:pPr indent="0" lvl="0" marL="0" rtl="0" algn="l">
+                        <a:spcBef>
+                          <a:spcPts val="0"/>
+                        </a:spcBef>
+                        <a:spcAft>
+                          <a:spcPts val="0"/>
+                        </a:spcAft>
+                        <a:buNone/>
+                      </a:pPr>
+                      <a:r>
+                        <a:rPr lang="en"/>
+                        <a:t>Verified URL</a:t>
+                      </a:r>
+                      <a:endParaRPr/>
+                    </a:p>
+                  </a:txBody>
+                  <a:tcPr marT="91425" marB="91425" marR="91425" marL="91425"/>
+                </a:tc>
+              </a:tr>
+            </a:tbl>
+          </a:graphicData>
+        </a:graphic>
+      </p:graphicFrame>
+    </p:spTree>
+  </p:cSld>
+  <p:clrMapOvr>
+    <a:masterClrMapping/>
+  </p:clrMapOvr>
+</p:sld>
+</file>
+
+<file path=ppt/slides/slide12.xml><?xml version="1.0" encoding="utf-8"?>
+<p:sld xmlns:a="http://schemas.openxmlformats.org/drawingml/2006/main" xmlns:r="http://schemas.openxmlformats.org/officeDocument/2006/relationships" xmlns:mc="http://schemas.openxmlformats.org/markup-compatibility/2006" xmlns:mv="urn:schemas-microsoft-com:mac:vml" xmlns:p="http://schemas.openxmlformats.org/presentationml/2006/main" xmlns:c="http://schemas.openxmlformats.org/drawingml/2006/chart" xmlns:dgm="http://schemas.openxmlformats.org/drawingml/2006/diagram" xmlns:o="urn:schemas-microsoft-com:office:office" xmlns:v="urn:schemas-microsoft-com:vml" xmlns:pvml="urn:schemas-microsoft-com:office:powerpoint" xmlns:com="http://schemas.openxmlformats.org/drawingml/2006/compatibility" xmlns:p14="http://schemas.microsoft.com/office/powerpoint/2010/main" xmlns:p15="http://schemas.microsoft.com/office/powerpoint/2012/main">
+  <p:cSld>
+    <p:spTree>
+      <p:nvGrpSpPr>
+        <p:cNvPr id="170" name="Shape 170"/>
+        <p:cNvGrpSpPr/>
+        <p:nvPr/>
+      </p:nvGrpSpPr>
+      <p:grpSpPr>
+        <a:xfrm>
+          <a:off x="0" y="0"/>
+          <a:ext cx="0" cy="0"/>
+          <a:chOff x="0" y="0"/>
+          <a:chExt cx="0" cy="0"/>
+        </a:xfrm>
+      </p:grpSpPr>
+      <p:sp>
+        <p:nvSpPr>
+          <p:cNvPr id="171" name="Google Shape;171;p24"/>
+          <p:cNvSpPr txBox="1"/>
+          <p:nvPr>
+            <p:ph type="title"/>
+          </p:nvPr>
+        </p:nvSpPr>
+        <p:spPr>
+          <a:xfrm>
+            <a:off x="311700" y="445025"/>
+            <a:ext cx="8520600" cy="623400"/>
+          </a:xfrm>
+          <a:prstGeom prst="rect">
+            <a:avLst/>
+          </a:prstGeom>
+        </p:spPr>
+        <p:txBody>
+          <a:bodyPr anchorCtr="0" anchor="t" bIns="91425" lIns="91425" spcFirstLastPara="1" rIns="91425" wrap="square" tIns="91425">
+            <a:noAutofit/>
+          </a:bodyPr>
+          <a:lstStyle/>
+          <a:p>
+            <a:pPr indent="0" lvl="0" marL="0" rtl="0" algn="l">
+              <a:spcBef>
+                <a:spcPts val="0"/>
+              </a:spcBef>
+              <a:spcAft>
+                <a:spcPts val="0"/>
+              </a:spcAft>
+              <a:buNone/>
+            </a:pPr>
+            <a:r>
+              <a:rPr lang="en"/>
+              <a:t>Apache Spark (Spam Detection)</a:t>
+            </a:r>
+            <a:endParaRPr/>
+          </a:p>
+        </p:txBody>
+      </p:sp>
+      <p:sp>
+        <p:nvSpPr>
+          <p:cNvPr id="172" name="Google Shape;172;p24"/>
+          <p:cNvSpPr txBox="1"/>
+          <p:nvPr>
+            <p:ph idx="1" type="body"/>
+          </p:nvPr>
+        </p:nvSpPr>
+        <p:spPr>
+          <a:xfrm>
+            <a:off x="311700" y="1152475"/>
+            <a:ext cx="8520600" cy="3416400"/>
+          </a:xfrm>
+          <a:prstGeom prst="rect">
+            <a:avLst/>
+          </a:prstGeom>
+        </p:spPr>
+        <p:txBody>
+          <a:bodyPr anchorCtr="0" anchor="t" bIns="91425" lIns="91425" spcFirstLastPara="1" rIns="91425" wrap="square" tIns="91425">
+            <a:noAutofit/>
+          </a:bodyPr>
+          <a:lstStyle/>
+          <a:p>
+            <a:pPr indent="-342900" lvl="0" marL="457200" rtl="0" algn="l">
+              <a:spcBef>
+                <a:spcPts val="0"/>
+              </a:spcBef>
+              <a:spcAft>
+                <a:spcPts val="0"/>
+              </a:spcAft>
+              <a:buSzPts val="1800"/>
+              <a:buChar char="●"/>
+            </a:pPr>
+            <a:r>
+              <a:rPr lang="en"/>
+              <a:t>Accuracy</a:t>
+            </a:r>
+            <a:endParaRPr/>
+          </a:p>
+          <a:p>
+            <a:pPr indent="0" lvl="0" marL="457200" rtl="0" algn="l">
+              <a:spcBef>
+                <a:spcPts val="1600"/>
+              </a:spcBef>
+              <a:spcAft>
+                <a:spcPts val="0"/>
+              </a:spcAft>
+              <a:buNone/>
+            </a:pPr>
+            <a:r>
+              <a:t/>
+            </a:r>
+            <a:endParaRPr/>
+          </a:p>
+          <a:p>
+            <a:pPr indent="0" lvl="0" marL="457200" rtl="0" algn="l">
+              <a:spcBef>
+                <a:spcPts val="1600"/>
+              </a:spcBef>
+              <a:spcAft>
+                <a:spcPts val="0"/>
+              </a:spcAft>
+              <a:buNone/>
+            </a:pPr>
+            <a:r>
+              <a:t/>
+            </a:r>
+            <a:endParaRPr/>
+          </a:p>
+          <a:p>
+            <a:pPr indent="0" lvl="0" marL="457200" rtl="0" algn="l">
+              <a:spcBef>
+                <a:spcPts val="1600"/>
+              </a:spcBef>
+              <a:spcAft>
+                <a:spcPts val="0"/>
+              </a:spcAft>
+              <a:buNone/>
+            </a:pPr>
+            <a:r>
+              <a:t/>
+            </a:r>
+            <a:endParaRPr/>
+          </a:p>
+          <a:p>
+            <a:pPr indent="0" lvl="0" marL="0" rtl="0" algn="l">
+              <a:spcBef>
+                <a:spcPts val="1600"/>
+              </a:spcBef>
+              <a:spcAft>
+                <a:spcPts val="1600"/>
+              </a:spcAft>
+              <a:buNone/>
+            </a:pPr>
+            <a:r>
+              <a:t/>
+            </a:r>
+            <a:endParaRPr/>
+          </a:p>
+        </p:txBody>
+      </p:sp>
+      <p:sp>
+        <p:nvSpPr>
+          <p:cNvPr id="173" name="Google Shape;173;p24"/>
+          <p:cNvSpPr txBox="1"/>
+          <p:nvPr>
+            <p:ph idx="12" type="sldNum"/>
+          </p:nvPr>
+        </p:nvSpPr>
+        <p:spPr>
+          <a:xfrm>
+            <a:off x="8497999" y="4688759"/>
+            <a:ext cx="548700" cy="393600"/>
+          </a:xfrm>
+          <a:prstGeom prst="rect">
+            <a:avLst/>
+          </a:prstGeom>
+        </p:spPr>
+        <p:txBody>
+          <a:bodyPr anchorCtr="0" anchor="ctr" bIns="91425" lIns="91425" spcFirstLastPara="1" rIns="91425" wrap="square" tIns="91425">
+            <a:noAutofit/>
+          </a:bodyPr>
+          <a:lstStyle/>
+          <a:p>
+            <a:pPr indent="0" lvl="0" marL="0" rtl="0" algn="r">
+              <a:spcBef>
+                <a:spcPts val="0"/>
+              </a:spcBef>
+              <a:spcAft>
+                <a:spcPts val="0"/>
+              </a:spcAft>
+              <a:buClr>
+                <a:srgbClr val="000000"/>
+              </a:buClr>
+              <a:buSzPts val="1100"/>
+              <a:buFont typeface="Arial"/>
+              <a:buNone/>
+            </a:pPr>
+            <a:fld id="{00000000-1234-1234-1234-123412341234}" type="slidenum">
+              <a:rPr lang="en"/>
+              <a:t>‹#›</a:t>
+            </a:fld>
+            <a:endParaRPr/>
+          </a:p>
+        </p:txBody>
+      </p:sp>
+      <p:pic>
+        <p:nvPicPr>
+          <p:cNvPr id="174" name="Google Shape;174;p24"/>
+          <p:cNvPicPr preferRelativeResize="0"/>
+          <p:nvPr/>
+        </p:nvPicPr>
+        <p:blipFill>
+          <a:blip r:embed="rId3">
+            <a:alphaModFix/>
+          </a:blip>
+          <a:stretch>
+            <a:fillRect/>
+          </a:stretch>
+        </p:blipFill>
+        <p:spPr>
+          <a:xfrm>
+            <a:off x="920650" y="1839050"/>
+            <a:ext cx="5253899" cy="320950"/>
+          </a:xfrm>
+          <a:prstGeom prst="rect">
+            <a:avLst/>
+          </a:prstGeom>
+          <a:noFill/>
+          <a:ln>
+            <a:noFill/>
+          </a:ln>
+        </p:spPr>
+      </p:pic>
+      <p:pic>
+        <p:nvPicPr>
+          <p:cNvPr id="175" name="Google Shape;175;p24"/>
+          <p:cNvPicPr preferRelativeResize="0"/>
+          <p:nvPr/>
+        </p:nvPicPr>
+        <p:blipFill>
+          <a:blip r:embed="rId4">
+            <a:alphaModFix/>
+          </a:blip>
+          <a:stretch>
+            <a:fillRect/>
+          </a:stretch>
+        </p:blipFill>
+        <p:spPr>
+          <a:xfrm>
+            <a:off x="920650" y="2846650"/>
+            <a:ext cx="5253900" cy="325824"/>
+          </a:xfrm>
+          <a:prstGeom prst="rect">
+            <a:avLst/>
+          </a:prstGeom>
+          <a:noFill/>
+          <a:ln>
+            <a:noFill/>
+          </a:ln>
+        </p:spPr>
+      </p:pic>
+      <p:sp>
+        <p:nvSpPr>
+          <p:cNvPr id="176" name="Google Shape;176;p24"/>
+          <p:cNvSpPr txBox="1"/>
+          <p:nvPr/>
+        </p:nvSpPr>
+        <p:spPr>
+          <a:xfrm>
+            <a:off x="6174550" y="1810150"/>
+            <a:ext cx="2458500" cy="492000"/>
+          </a:xfrm>
+          <a:prstGeom prst="rect">
+            <a:avLst/>
+          </a:prstGeom>
+          <a:noFill/>
+          <a:ln>
+            <a:noFill/>
+          </a:ln>
+        </p:spPr>
+        <p:txBody>
+          <a:bodyPr anchorCtr="0" anchor="t" bIns="91425" lIns="91425" spcFirstLastPara="1" rIns="91425" wrap="square" tIns="91425">
+            <a:noAutofit/>
+          </a:bodyPr>
+          <a:lstStyle/>
+          <a:p>
+            <a:pPr indent="0" lvl="0" marL="0" rtl="0" algn="l">
+              <a:spcBef>
+                <a:spcPts val="0"/>
+              </a:spcBef>
+              <a:spcAft>
+                <a:spcPts val="0"/>
+              </a:spcAft>
+              <a:buNone/>
+            </a:pPr>
+            <a:r>
+              <a:rPr lang="en"/>
+              <a:t>&gt; target accuracy(70%)</a:t>
+            </a:r>
+            <a:endParaRPr/>
+          </a:p>
+        </p:txBody>
+      </p:sp>
+    </p:spTree>
+  </p:cSld>
+  <p:clrMapOvr>
+    <a:masterClrMapping/>
+  </p:clrMapOvr>
+</p:sld>
+</file>
+
+<file path=ppt/slides/slide13.xml><?xml version="1.0" encoding="utf-8"?>
+<p:sld xmlns:a="http://schemas.openxmlformats.org/drawingml/2006/main" xmlns:r="http://schemas.openxmlformats.org/officeDocument/2006/relationships" xmlns:mc="http://schemas.openxmlformats.org/markup-compatibility/2006" xmlns:mv="urn:schemas-microsoft-com:mac:vml" xmlns:p="http://schemas.openxmlformats.org/presentationml/2006/main" xmlns:c="http://schemas.openxmlformats.org/drawingml/2006/chart" xmlns:dgm="http://schemas.openxmlformats.org/drawingml/2006/diagram" xmlns:o="urn:schemas-microsoft-com:office:office" xmlns:v="urn:schemas-microsoft-com:vml" xmlns:pvml="urn:schemas-microsoft-com:office:powerpoint" xmlns:com="http://schemas.openxmlformats.org/drawingml/2006/compatibility" xmlns:p14="http://schemas.microsoft.com/office/powerpoint/2010/main" xmlns:p15="http://schemas.microsoft.com/office/powerpoint/2012/main">
+  <p:cSld>
+    <p:spTree>
+      <p:nvGrpSpPr>
+        <p:cNvPr id="180" name="Shape 180"/>
+        <p:cNvGrpSpPr/>
+        <p:nvPr/>
+      </p:nvGrpSpPr>
+      <p:grpSpPr>
+        <a:xfrm>
+          <a:off x="0" y="0"/>
+          <a:ext cx="0" cy="0"/>
+          <a:chOff x="0" y="0"/>
+          <a:chExt cx="0" cy="0"/>
+        </a:xfrm>
+      </p:grpSpPr>
+      <p:sp>
+        <p:nvSpPr>
+          <p:cNvPr id="181" name="Google Shape;181;p25"/>
           <p:cNvSpPr txBox="1"/>
           <p:nvPr>
             <p:ph type="title"/>
@@ -7916,7 +9153,7 @@
       </p:sp>
       <p:sp>
         <p:nvSpPr>
-          <p:cNvPr id="137" name="Google Shape;137;p23"/>
+          <p:cNvPr id="182" name="Google Shape;182;p25"/>
           <p:cNvSpPr txBox="1"/>
           <p:nvPr>
             <p:ph idx="1" type="body"/>
@@ -8118,7 +9355,15 @@
             </a:pPr>
             <a:r>
               <a:rPr lang="en"/>
-              <a:t>More ends points e.g. total inbound links, outbound links, ranking of URLs</a:t>
+              <a:t>More </a:t>
+            </a:r>
+            <a:r>
+              <a:rPr lang="en"/>
+              <a:t>endpoints</a:t>
+            </a:r>
+            <a:r>
+              <a:rPr lang="en"/>
+              <a:t> e.g. total inbound links, outbound links, ranking of URLs</a:t>
             </a:r>
             <a:endParaRPr/>
           </a:p>
@@ -8194,7 +9439,7 @@
       </p:sp>
       <p:sp>
         <p:nvSpPr>
-          <p:cNvPr id="138" name="Google Shape;138;p23"/>
+          <p:cNvPr id="183" name="Google Shape;183;p25"/>
           <p:cNvSpPr txBox="1"/>
           <p:nvPr>
             <p:ph idx="12" type="sldNum"/>
@@ -8245,12 +9490,12 @@
 </p:sld>
 </file>
 
-<file path=ppt/slides/slide12.xml><?xml version="1.0" encoding="utf-8"?>
+<file path=ppt/slides/slide14.xml><?xml version="1.0" encoding="utf-8"?>
 <p:sld xmlns:a="http://schemas.openxmlformats.org/drawingml/2006/main" xmlns:r="http://schemas.openxmlformats.org/officeDocument/2006/relationships" xmlns:mc="http://schemas.openxmlformats.org/markup-compatibility/2006" xmlns:mv="urn:schemas-microsoft-com:mac:vml" xmlns:p="http://schemas.openxmlformats.org/presentationml/2006/main" xmlns:c="http://schemas.openxmlformats.org/drawingml/2006/chart" xmlns:dgm="http://schemas.openxmlformats.org/drawingml/2006/diagram" xmlns:o="urn:schemas-microsoft-com:office:office" xmlns:v="urn:schemas-microsoft-com:vml" xmlns:pvml="urn:schemas-microsoft-com:office:powerpoint" xmlns:com="http://schemas.openxmlformats.org/drawingml/2006/compatibility" xmlns:p14="http://schemas.microsoft.com/office/powerpoint/2010/main" xmlns:p15="http://schemas.microsoft.com/office/powerpoint/2012/main">
   <p:cSld>
     <p:spTree>
       <p:nvGrpSpPr>
-        <p:cNvPr id="142" name="Shape 142"/>
+        <p:cNvPr id="187" name="Shape 187"/>
         <p:cNvGrpSpPr/>
         <p:nvPr/>
       </p:nvGrpSpPr>
@@ -8264,7 +9509,7 @@
       </p:grpSpPr>
       <p:sp>
         <p:nvSpPr>
-          <p:cNvPr id="143" name="Google Shape;143;p24"/>
+          <p:cNvPr id="188" name="Google Shape;188;p26"/>
           <p:cNvSpPr txBox="1"/>
           <p:nvPr>
             <p:ph type="title"/>
@@ -8303,7 +9548,7 @@
       </p:sp>
       <p:sp>
         <p:nvSpPr>
-          <p:cNvPr id="144" name="Google Shape;144;p24"/>
+          <p:cNvPr id="189" name="Google Shape;189;p26"/>
           <p:cNvSpPr txBox="1"/>
           <p:nvPr>
             <p:ph idx="1" type="body"/>
@@ -8342,7 +9587,7 @@
       </p:sp>
       <p:sp>
         <p:nvSpPr>
-          <p:cNvPr id="145" name="Google Shape;145;p24"/>
+          <p:cNvPr id="190" name="Google Shape;190;p26"/>
           <p:cNvSpPr txBox="1"/>
           <p:nvPr>
             <p:ph idx="12" type="sldNum"/>
@@ -8387,7 +9632,7 @@
       </p:sp>
       <p:pic>
         <p:nvPicPr>
-          <p:cNvPr id="146" name="Google Shape;146;p24"/>
+          <p:cNvPr id="191" name="Google Shape;191;p26"/>
           <p:cNvPicPr preferRelativeResize="0"/>
           <p:nvPr/>
         </p:nvPicPr>
@@ -8878,7 +10123,7 @@
             <a:tbl>
               <a:tblPr>
                 <a:noFill/>
-                <a:tableStyleId>{FB350707-0470-4A65-A138-6E07BA4D14D9}</a:tableStyleId>
+                <a:tableStyleId>{28252D77-D67E-47A7-98E0-78A151709906}</a:tableStyleId>
               </a:tblPr>
               <a:tblGrid>
                 <a:gridCol w="1416975"/>
@@ -9981,80 +11226,88 @@
           </a:bodyPr>
           <a:lstStyle/>
           <a:p>
-            <a:pPr indent="-342900" lvl="0" marL="457200" rtl="0" algn="l">
-              <a:spcBef>
-                <a:spcPts val="0"/>
-              </a:spcBef>
-              <a:spcAft>
-                <a:spcPts val="0"/>
-              </a:spcAft>
-              <a:buSzPts val="1800"/>
+            <a:pPr indent="-381000" lvl="0" marL="457200" rtl="0" algn="l">
+              <a:spcBef>
+                <a:spcPts val="0"/>
+              </a:spcBef>
+              <a:spcAft>
+                <a:spcPts val="0"/>
+              </a:spcAft>
+              <a:buSzPts val="2400"/>
               <a:buChar char="●"/>
             </a:pPr>
             <a:r>
-              <a:rPr lang="en"/>
+              <a:rPr lang="en" sz="2400"/>
               <a:t>Crawling million of URLs - concurrency </a:t>
             </a:r>
-            <a:endParaRPr/>
+            <a:endParaRPr sz="2400"/>
           </a:p>
           <a:p>
-            <a:pPr indent="-342900" lvl="0" marL="457200" rtl="0" algn="l">
-              <a:spcBef>
-                <a:spcPts val="0"/>
-              </a:spcBef>
-              <a:spcAft>
-                <a:spcPts val="0"/>
-              </a:spcAft>
-              <a:buSzPts val="1800"/>
+            <a:pPr indent="-381000" lvl="0" marL="457200" rtl="0" algn="l">
+              <a:spcBef>
+                <a:spcPts val="0"/>
+              </a:spcBef>
+              <a:spcAft>
+                <a:spcPts val="0"/>
+              </a:spcAft>
+              <a:buSzPts val="2400"/>
               <a:buChar char="●"/>
             </a:pPr>
             <a:r>
-              <a:rPr lang="en"/>
+              <a:rPr lang="en" sz="2400"/>
               <a:t>Processing the URLs to remove duplicates &amp; verifying it - database</a:t>
             </a:r>
-            <a:endParaRPr/>
+            <a:endParaRPr sz="2400"/>
           </a:p>
           <a:p>
-            <a:pPr indent="-342900" lvl="0" marL="457200" rtl="0" algn="l">
-              <a:spcBef>
-                <a:spcPts val="0"/>
-              </a:spcBef>
-              <a:spcAft>
-                <a:spcPts val="0"/>
-              </a:spcAft>
-              <a:buSzPts val="1800"/>
+            <a:pPr indent="-381000" lvl="0" marL="457200" rtl="0" algn="l">
+              <a:spcBef>
+                <a:spcPts val="0"/>
+              </a:spcBef>
+              <a:spcAft>
+                <a:spcPts val="0"/>
+              </a:spcAft>
+              <a:buSzPts val="2400"/>
               <a:buChar char="●"/>
             </a:pPr>
             <a:r>
-              <a:rPr lang="en"/>
-              <a:t>Maintaining state-fullness of the crawler - crashes, needs to resume</a:t>
+              <a:rPr lang="en" sz="2400"/>
+              <a:t>Maintaining state-fullness of the crawler - crashes, needs to resume </a:t>
             </a:r>
-            <a:endParaRPr/>
+            <a:endParaRPr sz="2400"/>
           </a:p>
           <a:p>
-            <a:pPr indent="-342900" lvl="0" marL="457200" rtl="0" algn="l">
-              <a:spcBef>
-                <a:spcPts val="0"/>
-              </a:spcBef>
-              <a:spcAft>
-                <a:spcPts val="0"/>
-              </a:spcAft>
-              <a:buSzPts val="1800"/>
+            <a:pPr indent="-381000" lvl="0" marL="457200" rtl="0" algn="l">
+              <a:spcBef>
+                <a:spcPts val="0"/>
+              </a:spcBef>
+              <a:spcAft>
+                <a:spcPts val="0"/>
+              </a:spcAft>
+              <a:buSzPts val="2400"/>
               <a:buChar char="●"/>
             </a:pPr>
             <a:r>
-              <a:rPr lang="en"/>
+              <a:rPr lang="en" sz="2400"/>
               <a:t>Detecting spam - URLs - </a:t>
             </a:r>
             <a:r>
-              <a:rPr lang="en"/>
+              <a:rPr lang="en" sz="2400"/>
               <a:t>Logistic</a:t>
             </a:r>
             <a:r>
-              <a:rPr lang="en"/>
-              <a:t> Regression</a:t>
+              <a:rPr lang="en" sz="2400"/>
+              <a:t> Regression - body to </a:t>
             </a:r>
-            <a:endParaRPr/>
+            <a:r>
+              <a:rPr lang="en" sz="2400"/>
+              <a:t>auto generated</a:t>
+            </a:r>
+            <a:r>
+              <a:rPr lang="en" sz="2400"/>
+              <a:t> URLs</a:t>
+            </a:r>
+            <a:endParaRPr sz="2400"/>
           </a:p>
         </p:txBody>
       </p:sp>
@@ -10178,7 +11431,7 @@
             </a:pPr>
             <a:r>
               <a:rPr lang="en"/>
-              <a:t>Technology Stack</a:t>
+              <a:t>High Level System Overview</a:t>
             </a:r>
             <a:endParaRPr/>
           </a:p>
@@ -10207,6 +11460,719 @@
           </a:bodyPr>
           <a:lstStyle/>
           <a:p>
+            <a:pPr indent="0" lvl="0" marL="0" rtl="0" algn="l">
+              <a:spcBef>
+                <a:spcPts val="0"/>
+              </a:spcBef>
+              <a:spcAft>
+                <a:spcPts val="1600"/>
+              </a:spcAft>
+              <a:buNone/>
+            </a:pPr>
+            <a:r>
+              <a:t/>
+            </a:r>
+            <a:endParaRPr/>
+          </a:p>
+        </p:txBody>
+      </p:sp>
+      <p:sp>
+        <p:nvSpPr>
+          <p:cNvPr id="89" name="Google Shape;89;p17"/>
+          <p:cNvSpPr txBox="1"/>
+          <p:nvPr>
+            <p:ph idx="12" type="sldNum"/>
+          </p:nvPr>
+        </p:nvSpPr>
+        <p:spPr>
+          <a:xfrm>
+            <a:off x="8497999" y="4688759"/>
+            <a:ext cx="548700" cy="393600"/>
+          </a:xfrm>
+          <a:prstGeom prst="rect">
+            <a:avLst/>
+          </a:prstGeom>
+        </p:spPr>
+        <p:txBody>
+          <a:bodyPr anchorCtr="0" anchor="ctr" bIns="91425" lIns="91425" spcFirstLastPara="1" rIns="91425" wrap="square" tIns="91425">
+            <a:noAutofit/>
+          </a:bodyPr>
+          <a:lstStyle/>
+          <a:p>
+            <a:pPr indent="0" lvl="0" marL="0" rtl="0" algn="r">
+              <a:spcBef>
+                <a:spcPts val="0"/>
+              </a:spcBef>
+              <a:spcAft>
+                <a:spcPts val="0"/>
+              </a:spcAft>
+              <a:buClr>
+                <a:srgbClr val="000000"/>
+              </a:buClr>
+              <a:buSzPts val="1100"/>
+              <a:buFont typeface="Arial"/>
+              <a:buNone/>
+            </a:pPr>
+            <a:fld id="{00000000-1234-1234-1234-123412341234}" type="slidenum">
+              <a:rPr lang="en"/>
+              <a:t>‹#›</a:t>
+            </a:fld>
+            <a:endParaRPr/>
+          </a:p>
+        </p:txBody>
+      </p:sp>
+      <p:sp>
+        <p:nvSpPr>
+          <p:cNvPr id="90" name="Google Shape;90;p17"/>
+          <p:cNvSpPr/>
+          <p:nvPr/>
+        </p:nvSpPr>
+        <p:spPr>
+          <a:xfrm>
+            <a:off x="4512500" y="3798125"/>
+            <a:ext cx="1035850" cy="702475"/>
+          </a:xfrm>
+          <a:prstGeom prst="flowChartMagneticDisk">
+            <a:avLst/>
+          </a:prstGeom>
+          <a:solidFill>
+            <a:schemeClr val="lt2"/>
+          </a:solidFill>
+          <a:ln cap="flat" cmpd="sng" w="9525">
+            <a:solidFill>
+              <a:schemeClr val="dk2"/>
+            </a:solidFill>
+            <a:prstDash val="solid"/>
+            <a:round/>
+            <a:headEnd len="sm" w="sm" type="none"/>
+            <a:tailEnd len="sm" w="sm" type="none"/>
+          </a:ln>
+        </p:spPr>
+        <p:txBody>
+          <a:bodyPr anchorCtr="0" anchor="ctr" bIns="91425" lIns="91425" spcFirstLastPara="1" rIns="91425" wrap="square" tIns="91425">
+            <a:noAutofit/>
+          </a:bodyPr>
+          <a:lstStyle/>
+          <a:p>
+            <a:pPr indent="0" lvl="0" marL="0" rtl="0" algn="l">
+              <a:spcBef>
+                <a:spcPts val="0"/>
+              </a:spcBef>
+              <a:spcAft>
+                <a:spcPts val="0"/>
+              </a:spcAft>
+              <a:buNone/>
+            </a:pPr>
+            <a:r>
+              <a:rPr lang="en"/>
+              <a:t>Database - Redis</a:t>
+            </a:r>
+            <a:endParaRPr/>
+          </a:p>
+        </p:txBody>
+      </p:sp>
+      <p:sp>
+        <p:nvSpPr>
+          <p:cNvPr id="91" name="Google Shape;91;p17"/>
+          <p:cNvSpPr/>
+          <p:nvPr/>
+        </p:nvSpPr>
+        <p:spPr>
+          <a:xfrm>
+            <a:off x="2592650" y="2071700"/>
+            <a:ext cx="1250100" cy="1250100"/>
+          </a:xfrm>
+          <a:prstGeom prst="flowChartMagneticTape">
+            <a:avLst/>
+          </a:prstGeom>
+          <a:solidFill>
+            <a:schemeClr val="lt2"/>
+          </a:solidFill>
+          <a:ln cap="flat" cmpd="sng" w="9525">
+            <a:solidFill>
+              <a:schemeClr val="dk2"/>
+            </a:solidFill>
+            <a:prstDash val="solid"/>
+            <a:round/>
+            <a:headEnd len="sm" w="sm" type="none"/>
+            <a:tailEnd len="sm" w="sm" type="none"/>
+          </a:ln>
+        </p:spPr>
+        <p:txBody>
+          <a:bodyPr anchorCtr="0" anchor="ctr" bIns="91425" lIns="91425" spcFirstLastPara="1" rIns="91425" wrap="square" tIns="91425">
+            <a:noAutofit/>
+          </a:bodyPr>
+          <a:lstStyle/>
+          <a:p>
+            <a:pPr indent="0" lvl="0" marL="0" rtl="0" algn="l">
+              <a:spcBef>
+                <a:spcPts val="0"/>
+              </a:spcBef>
+              <a:spcAft>
+                <a:spcPts val="0"/>
+              </a:spcAft>
+              <a:buNone/>
+            </a:pPr>
+            <a:r>
+              <a:rPr b="1" lang="en"/>
+              <a:t>Web Crawler</a:t>
+            </a:r>
+            <a:endParaRPr b="1"/>
+          </a:p>
+        </p:txBody>
+      </p:sp>
+      <p:sp>
+        <p:nvSpPr>
+          <p:cNvPr id="92" name="Google Shape;92;p17"/>
+          <p:cNvSpPr/>
+          <p:nvPr/>
+        </p:nvSpPr>
+        <p:spPr>
+          <a:xfrm>
+            <a:off x="416700" y="2315738"/>
+            <a:ext cx="1404972" cy="976320"/>
+          </a:xfrm>
+          <a:prstGeom prst="cloud">
+            <a:avLst/>
+          </a:prstGeom>
+          <a:solidFill>
+            <a:schemeClr val="lt2"/>
+          </a:solidFill>
+          <a:ln cap="flat" cmpd="sng" w="9525">
+            <a:solidFill>
+              <a:schemeClr val="dk2"/>
+            </a:solidFill>
+            <a:prstDash val="solid"/>
+            <a:round/>
+            <a:headEnd len="sm" w="sm" type="none"/>
+            <a:tailEnd len="sm" w="sm" type="none"/>
+          </a:ln>
+        </p:spPr>
+        <p:txBody>
+          <a:bodyPr anchorCtr="0" anchor="ctr" bIns="91425" lIns="91425" spcFirstLastPara="1" rIns="91425" wrap="square" tIns="91425">
+            <a:noAutofit/>
+          </a:bodyPr>
+          <a:lstStyle/>
+          <a:p>
+            <a:pPr indent="0" lvl="0" marL="0" rtl="0" algn="l">
+              <a:spcBef>
+                <a:spcPts val="0"/>
+              </a:spcBef>
+              <a:spcAft>
+                <a:spcPts val="0"/>
+              </a:spcAft>
+              <a:buNone/>
+            </a:pPr>
+            <a:r>
+              <a:rPr lang="en"/>
+              <a:t>Internet</a:t>
+            </a:r>
+            <a:endParaRPr/>
+          </a:p>
+        </p:txBody>
+      </p:sp>
+      <p:sp>
+        <p:nvSpPr>
+          <p:cNvPr id="93" name="Google Shape;93;p17"/>
+          <p:cNvSpPr/>
+          <p:nvPr/>
+        </p:nvSpPr>
+        <p:spPr>
+          <a:xfrm>
+            <a:off x="6537750" y="2047850"/>
+            <a:ext cx="1940700" cy="1297800"/>
+          </a:xfrm>
+          <a:prstGeom prst="diamond">
+            <a:avLst/>
+          </a:prstGeom>
+          <a:solidFill>
+            <a:schemeClr val="lt2"/>
+          </a:solidFill>
+          <a:ln cap="flat" cmpd="sng" w="9525">
+            <a:solidFill>
+              <a:schemeClr val="dk2"/>
+            </a:solidFill>
+            <a:prstDash val="solid"/>
+            <a:round/>
+            <a:headEnd len="sm" w="sm" type="none"/>
+            <a:tailEnd len="sm" w="sm" type="none"/>
+          </a:ln>
+        </p:spPr>
+        <p:txBody>
+          <a:bodyPr anchorCtr="0" anchor="ctr" bIns="91425" lIns="91425" spcFirstLastPara="1" rIns="91425" wrap="square" tIns="91425">
+            <a:noAutofit/>
+          </a:bodyPr>
+          <a:lstStyle/>
+          <a:p>
+            <a:pPr indent="0" lvl="0" marL="0" rtl="0" algn="l">
+              <a:spcBef>
+                <a:spcPts val="0"/>
+              </a:spcBef>
+              <a:spcAft>
+                <a:spcPts val="0"/>
+              </a:spcAft>
+              <a:buNone/>
+            </a:pPr>
+            <a:r>
+              <a:rPr lang="en"/>
+              <a:t>Spam Detection</a:t>
+            </a:r>
+            <a:endParaRPr/>
+          </a:p>
+        </p:txBody>
+      </p:sp>
+      <p:sp>
+        <p:nvSpPr>
+          <p:cNvPr id="94" name="Google Shape;94;p17"/>
+          <p:cNvSpPr/>
+          <p:nvPr/>
+        </p:nvSpPr>
+        <p:spPr>
+          <a:xfrm>
+            <a:off x="4607725" y="943050"/>
+            <a:ext cx="845400" cy="831000"/>
+          </a:xfrm>
+          <a:prstGeom prst="smileyFace">
+            <a:avLst>
+              <a:gd fmla="val 4653" name="adj"/>
+            </a:avLst>
+          </a:prstGeom>
+          <a:solidFill>
+            <a:schemeClr val="lt2"/>
+          </a:solidFill>
+          <a:ln cap="flat" cmpd="sng" w="9525">
+            <a:solidFill>
+              <a:schemeClr val="dk2"/>
+            </a:solidFill>
+            <a:prstDash val="solid"/>
+            <a:round/>
+            <a:headEnd len="sm" w="sm" type="none"/>
+            <a:tailEnd len="sm" w="sm" type="none"/>
+          </a:ln>
+        </p:spPr>
+        <p:txBody>
+          <a:bodyPr anchorCtr="0" anchor="ctr" bIns="91425" lIns="91425" spcFirstLastPara="1" rIns="91425" wrap="square" tIns="91425">
+            <a:noAutofit/>
+          </a:bodyPr>
+          <a:lstStyle/>
+          <a:p>
+            <a:pPr indent="0" lvl="0" marL="0" rtl="0" algn="l">
+              <a:spcBef>
+                <a:spcPts val="0"/>
+              </a:spcBef>
+              <a:spcAft>
+                <a:spcPts val="0"/>
+              </a:spcAft>
+              <a:buNone/>
+            </a:pPr>
+            <a:r>
+              <a:rPr lang="en"/>
+              <a:t>User</a:t>
+            </a:r>
+            <a:endParaRPr/>
+          </a:p>
+        </p:txBody>
+      </p:sp>
+      <p:sp>
+        <p:nvSpPr>
+          <p:cNvPr id="95" name="Google Shape;95;p17"/>
+          <p:cNvSpPr/>
+          <p:nvPr/>
+        </p:nvSpPr>
+        <p:spPr>
+          <a:xfrm>
+            <a:off x="4501650" y="2315750"/>
+            <a:ext cx="1035900" cy="762000"/>
+          </a:xfrm>
+          <a:prstGeom prst="bevel">
+            <a:avLst>
+              <a:gd fmla="val 12500" name="adj"/>
+            </a:avLst>
+          </a:prstGeom>
+          <a:solidFill>
+            <a:schemeClr val="lt2"/>
+          </a:solidFill>
+          <a:ln cap="flat" cmpd="sng" w="9525">
+            <a:solidFill>
+              <a:schemeClr val="dk2"/>
+            </a:solidFill>
+            <a:prstDash val="solid"/>
+            <a:round/>
+            <a:headEnd len="sm" w="sm" type="none"/>
+            <a:tailEnd len="sm" w="sm" type="none"/>
+          </a:ln>
+        </p:spPr>
+        <p:txBody>
+          <a:bodyPr anchorCtr="0" anchor="ctr" bIns="91425" lIns="91425" spcFirstLastPara="1" rIns="91425" wrap="square" tIns="91425">
+            <a:noAutofit/>
+          </a:bodyPr>
+          <a:lstStyle/>
+          <a:p>
+            <a:pPr indent="0" lvl="0" marL="0" rtl="0" algn="l">
+              <a:spcBef>
+                <a:spcPts val="0"/>
+              </a:spcBef>
+              <a:spcAft>
+                <a:spcPts val="0"/>
+              </a:spcAft>
+              <a:buNone/>
+            </a:pPr>
+            <a:r>
+              <a:rPr lang="en"/>
+              <a:t>Server</a:t>
+            </a:r>
+            <a:endParaRPr/>
+          </a:p>
+        </p:txBody>
+      </p:sp>
+      <p:cxnSp>
+        <p:nvCxnSpPr>
+          <p:cNvPr id="96" name="Google Shape;96;p17"/>
+          <p:cNvCxnSpPr/>
+          <p:nvPr/>
+        </p:nvCxnSpPr>
+        <p:spPr>
+          <a:xfrm>
+            <a:off x="3913000" y="3419213"/>
+            <a:ext cx="428700" cy="400500"/>
+          </a:xfrm>
+          <a:prstGeom prst="straightConnector1">
+            <a:avLst/>
+          </a:prstGeom>
+          <a:noFill/>
+          <a:ln cap="flat" cmpd="sng" w="9525">
+            <a:solidFill>
+              <a:schemeClr val="dk2"/>
+            </a:solidFill>
+            <a:prstDash val="solid"/>
+            <a:round/>
+            <a:headEnd len="med" w="med" type="none"/>
+            <a:tailEnd len="med" w="med" type="triangle"/>
+          </a:ln>
+        </p:spPr>
+      </p:cxnSp>
+      <p:cxnSp>
+        <p:nvCxnSpPr>
+          <p:cNvPr id="97" name="Google Shape;97;p17"/>
+          <p:cNvCxnSpPr/>
+          <p:nvPr/>
+        </p:nvCxnSpPr>
+        <p:spPr>
+          <a:xfrm rot="10800000">
+            <a:off x="3738525" y="3524175"/>
+            <a:ext cx="357300" cy="357300"/>
+          </a:xfrm>
+          <a:prstGeom prst="straightConnector1">
+            <a:avLst/>
+          </a:prstGeom>
+          <a:noFill/>
+          <a:ln cap="flat" cmpd="sng" w="9525">
+            <a:solidFill>
+              <a:schemeClr val="dk2"/>
+            </a:solidFill>
+            <a:prstDash val="solid"/>
+            <a:round/>
+            <a:headEnd len="med" w="med" type="none"/>
+            <a:tailEnd len="med" w="med" type="triangle"/>
+          </a:ln>
+        </p:spPr>
+      </p:cxnSp>
+      <p:cxnSp>
+        <p:nvCxnSpPr>
+          <p:cNvPr id="98" name="Google Shape;98;p17"/>
+          <p:cNvCxnSpPr/>
+          <p:nvPr/>
+        </p:nvCxnSpPr>
+        <p:spPr>
+          <a:xfrm>
+            <a:off x="5537550" y="2571750"/>
+            <a:ext cx="1000200" cy="0"/>
+          </a:xfrm>
+          <a:prstGeom prst="straightConnector1">
+            <a:avLst/>
+          </a:prstGeom>
+          <a:noFill/>
+          <a:ln cap="flat" cmpd="sng" w="9525">
+            <a:solidFill>
+              <a:schemeClr val="dk2"/>
+            </a:solidFill>
+            <a:prstDash val="solid"/>
+            <a:round/>
+            <a:headEnd len="med" w="med" type="none"/>
+            <a:tailEnd len="med" w="med" type="triangle"/>
+          </a:ln>
+        </p:spPr>
+      </p:cxnSp>
+      <p:cxnSp>
+        <p:nvCxnSpPr>
+          <p:cNvPr id="99" name="Google Shape;99;p17"/>
+          <p:cNvCxnSpPr/>
+          <p:nvPr/>
+        </p:nvCxnSpPr>
+        <p:spPr>
+          <a:xfrm rot="10800000">
+            <a:off x="5167900" y="1866300"/>
+            <a:ext cx="0" cy="381000"/>
+          </a:xfrm>
+          <a:prstGeom prst="straightConnector1">
+            <a:avLst/>
+          </a:prstGeom>
+          <a:noFill/>
+          <a:ln cap="flat" cmpd="sng" w="9525">
+            <a:solidFill>
+              <a:schemeClr val="dk2"/>
+            </a:solidFill>
+            <a:prstDash val="solid"/>
+            <a:round/>
+            <a:headEnd len="med" w="med" type="none"/>
+            <a:tailEnd len="med" w="med" type="triangle"/>
+          </a:ln>
+        </p:spPr>
+      </p:cxnSp>
+      <p:cxnSp>
+        <p:nvCxnSpPr>
+          <p:cNvPr id="100" name="Google Shape;100;p17"/>
+          <p:cNvCxnSpPr/>
+          <p:nvPr/>
+        </p:nvCxnSpPr>
+        <p:spPr>
+          <a:xfrm>
+            <a:off x="5030425" y="1836600"/>
+            <a:ext cx="0" cy="440400"/>
+          </a:xfrm>
+          <a:prstGeom prst="straightConnector1">
+            <a:avLst/>
+          </a:prstGeom>
+          <a:noFill/>
+          <a:ln cap="flat" cmpd="sng" w="9525">
+            <a:solidFill>
+              <a:schemeClr val="dk2"/>
+            </a:solidFill>
+            <a:prstDash val="solid"/>
+            <a:round/>
+            <a:headEnd len="med" w="med" type="none"/>
+            <a:tailEnd len="med" w="med" type="triangle"/>
+          </a:ln>
+        </p:spPr>
+      </p:cxnSp>
+      <p:cxnSp>
+        <p:nvCxnSpPr>
+          <p:cNvPr id="101" name="Google Shape;101;p17"/>
+          <p:cNvCxnSpPr/>
+          <p:nvPr/>
+        </p:nvCxnSpPr>
+        <p:spPr>
+          <a:xfrm rot="10800000">
+            <a:off x="5591088" y="2860675"/>
+            <a:ext cx="893100" cy="0"/>
+          </a:xfrm>
+          <a:prstGeom prst="straightConnector1">
+            <a:avLst/>
+          </a:prstGeom>
+          <a:noFill/>
+          <a:ln cap="flat" cmpd="sng" w="9525">
+            <a:solidFill>
+              <a:schemeClr val="dk2"/>
+            </a:solidFill>
+            <a:prstDash val="solid"/>
+            <a:round/>
+            <a:headEnd len="med" w="med" type="none"/>
+            <a:tailEnd len="med" w="med" type="triangle"/>
+          </a:ln>
+        </p:spPr>
+      </p:cxnSp>
+      <p:cxnSp>
+        <p:nvCxnSpPr>
+          <p:cNvPr id="102" name="Google Shape;102;p17"/>
+          <p:cNvCxnSpPr/>
+          <p:nvPr/>
+        </p:nvCxnSpPr>
+        <p:spPr>
+          <a:xfrm>
+            <a:off x="4849450" y="3217738"/>
+            <a:ext cx="0" cy="440400"/>
+          </a:xfrm>
+          <a:prstGeom prst="straightConnector1">
+            <a:avLst/>
+          </a:prstGeom>
+          <a:noFill/>
+          <a:ln cap="flat" cmpd="sng" w="9525">
+            <a:solidFill>
+              <a:schemeClr val="dk2"/>
+            </a:solidFill>
+            <a:prstDash val="solid"/>
+            <a:round/>
+            <a:headEnd len="med" w="med" type="none"/>
+            <a:tailEnd len="med" w="med" type="triangle"/>
+          </a:ln>
+        </p:spPr>
+      </p:cxnSp>
+      <p:cxnSp>
+        <p:nvCxnSpPr>
+          <p:cNvPr id="103" name="Google Shape;103;p17"/>
+          <p:cNvCxnSpPr/>
+          <p:nvPr/>
+        </p:nvCxnSpPr>
+        <p:spPr>
+          <a:xfrm rot="10800000">
+            <a:off x="5167900" y="3247438"/>
+            <a:ext cx="0" cy="381000"/>
+          </a:xfrm>
+          <a:prstGeom prst="straightConnector1">
+            <a:avLst/>
+          </a:prstGeom>
+          <a:noFill/>
+          <a:ln cap="flat" cmpd="sng" w="9525">
+            <a:solidFill>
+              <a:schemeClr val="dk2"/>
+            </a:solidFill>
+            <a:prstDash val="solid"/>
+            <a:round/>
+            <a:headEnd len="med" w="med" type="none"/>
+            <a:tailEnd len="med" w="med" type="triangle"/>
+          </a:ln>
+        </p:spPr>
+      </p:cxnSp>
+      <p:sp>
+        <p:nvSpPr>
+          <p:cNvPr id="104" name="Google Shape;104;p17"/>
+          <p:cNvSpPr/>
+          <p:nvPr/>
+        </p:nvSpPr>
+        <p:spPr>
+          <a:xfrm>
+            <a:off x="2059775" y="2678900"/>
+            <a:ext cx="428700" cy="181800"/>
+          </a:xfrm>
+          <a:prstGeom prst="rightArrow">
+            <a:avLst>
+              <a:gd fmla="val 50000" name="adj1"/>
+              <a:gd fmla="val 50000" name="adj2"/>
+            </a:avLst>
+          </a:prstGeom>
+          <a:solidFill>
+            <a:schemeClr val="lt2"/>
+          </a:solidFill>
+          <a:ln cap="flat" cmpd="sng" w="9525">
+            <a:solidFill>
+              <a:schemeClr val="dk2"/>
+            </a:solidFill>
+            <a:prstDash val="solid"/>
+            <a:round/>
+            <a:headEnd len="sm" w="sm" type="none"/>
+            <a:tailEnd len="sm" w="sm" type="none"/>
+          </a:ln>
+        </p:spPr>
+        <p:txBody>
+          <a:bodyPr anchorCtr="0" anchor="ctr" bIns="91425" lIns="91425" spcFirstLastPara="1" rIns="91425" wrap="square" tIns="91425">
+            <a:noAutofit/>
+          </a:bodyPr>
+          <a:lstStyle/>
+          <a:p>
+            <a:pPr indent="0" lvl="0" marL="0" rtl="0" algn="l">
+              <a:spcBef>
+                <a:spcPts val="0"/>
+              </a:spcBef>
+              <a:spcAft>
+                <a:spcPts val="0"/>
+              </a:spcAft>
+              <a:buNone/>
+            </a:pPr>
+            <a:r>
+              <a:t/>
+            </a:r>
+            <a:endParaRPr/>
+          </a:p>
+        </p:txBody>
+      </p:sp>
+    </p:spTree>
+  </p:cSld>
+  <p:clrMapOvr>
+    <a:masterClrMapping/>
+  </p:clrMapOvr>
+</p:sld>
+</file>
+
+<file path=ppt/slides/slide6.xml><?xml version="1.0" encoding="utf-8"?>
+<p:sld xmlns:a="http://schemas.openxmlformats.org/drawingml/2006/main" xmlns:r="http://schemas.openxmlformats.org/officeDocument/2006/relationships" xmlns:mc="http://schemas.openxmlformats.org/markup-compatibility/2006" xmlns:mv="urn:schemas-microsoft-com:mac:vml" xmlns:p="http://schemas.openxmlformats.org/presentationml/2006/main" xmlns:c="http://schemas.openxmlformats.org/drawingml/2006/chart" xmlns:dgm="http://schemas.openxmlformats.org/drawingml/2006/diagram" xmlns:o="urn:schemas-microsoft-com:office:office" xmlns:v="urn:schemas-microsoft-com:vml" xmlns:pvml="urn:schemas-microsoft-com:office:powerpoint" xmlns:com="http://schemas.openxmlformats.org/drawingml/2006/compatibility" xmlns:p14="http://schemas.microsoft.com/office/powerpoint/2010/main" xmlns:p15="http://schemas.microsoft.com/office/powerpoint/2012/main">
+  <p:cSld>
+    <p:spTree>
+      <p:nvGrpSpPr>
+        <p:cNvPr id="108" name="Shape 108"/>
+        <p:cNvGrpSpPr/>
+        <p:nvPr/>
+      </p:nvGrpSpPr>
+      <p:grpSpPr>
+        <a:xfrm>
+          <a:off x="0" y="0"/>
+          <a:ext cx="0" cy="0"/>
+          <a:chOff x="0" y="0"/>
+          <a:chExt cx="0" cy="0"/>
+        </a:xfrm>
+      </p:grpSpPr>
+      <p:sp>
+        <p:nvSpPr>
+          <p:cNvPr id="109" name="Google Shape;109;p18"/>
+          <p:cNvSpPr txBox="1"/>
+          <p:nvPr>
+            <p:ph type="title"/>
+          </p:nvPr>
+        </p:nvSpPr>
+        <p:spPr>
+          <a:xfrm>
+            <a:off x="311700" y="445025"/>
+            <a:ext cx="8520600" cy="623400"/>
+          </a:xfrm>
+          <a:prstGeom prst="rect">
+            <a:avLst/>
+          </a:prstGeom>
+        </p:spPr>
+        <p:txBody>
+          <a:bodyPr anchorCtr="0" anchor="t" bIns="91425" lIns="91425" spcFirstLastPara="1" rIns="91425" wrap="square" tIns="91425">
+            <a:noAutofit/>
+          </a:bodyPr>
+          <a:lstStyle/>
+          <a:p>
+            <a:pPr indent="0" lvl="0" marL="0" rtl="0" algn="l">
+              <a:spcBef>
+                <a:spcPts val="0"/>
+              </a:spcBef>
+              <a:spcAft>
+                <a:spcPts val="0"/>
+              </a:spcAft>
+              <a:buNone/>
+            </a:pPr>
+            <a:r>
+              <a:rPr lang="en"/>
+              <a:t>Technology Stack</a:t>
+            </a:r>
+            <a:endParaRPr/>
+          </a:p>
+        </p:txBody>
+      </p:sp>
+      <p:sp>
+        <p:nvSpPr>
+          <p:cNvPr id="110" name="Google Shape;110;p18"/>
+          <p:cNvSpPr txBox="1"/>
+          <p:nvPr>
+            <p:ph idx="1" type="body"/>
+          </p:nvPr>
+        </p:nvSpPr>
+        <p:spPr>
+          <a:xfrm>
+            <a:off x="311700" y="1152475"/>
+            <a:ext cx="8520600" cy="3416400"/>
+          </a:xfrm>
+          <a:prstGeom prst="rect">
+            <a:avLst/>
+          </a:prstGeom>
+        </p:spPr>
+        <p:txBody>
+          <a:bodyPr anchorCtr="0" anchor="t" bIns="91425" lIns="91425" spcFirstLastPara="1" rIns="91425" wrap="square" tIns="91425">
+            <a:noAutofit/>
+          </a:bodyPr>
+          <a:lstStyle/>
+          <a:p>
             <a:pPr indent="-342900" lvl="0" marL="457200" rtl="0" algn="l">
               <a:spcBef>
                 <a:spcPts val="0"/>
@@ -10380,7 +12346,7 @@
       </p:sp>
       <p:sp>
         <p:nvSpPr>
-          <p:cNvPr id="89" name="Google Shape;89;p17"/>
+          <p:cNvPr id="111" name="Google Shape;111;p18"/>
           <p:cNvSpPr txBox="1"/>
           <p:nvPr>
             <p:ph idx="12" type="sldNum"/>
@@ -10431,12 +12397,12 @@
 </p:sld>
 </file>
 
-<file path=ppt/slides/slide6.xml><?xml version="1.0" encoding="utf-8"?>
+<file path=ppt/slides/slide7.xml><?xml version="1.0" encoding="utf-8"?>
 <p:sld xmlns:a="http://schemas.openxmlformats.org/drawingml/2006/main" xmlns:r="http://schemas.openxmlformats.org/officeDocument/2006/relationships" xmlns:mc="http://schemas.openxmlformats.org/markup-compatibility/2006" xmlns:mv="urn:schemas-microsoft-com:mac:vml" xmlns:p="http://schemas.openxmlformats.org/presentationml/2006/main" xmlns:c="http://schemas.openxmlformats.org/drawingml/2006/chart" xmlns:dgm="http://schemas.openxmlformats.org/drawingml/2006/diagram" xmlns:o="urn:schemas-microsoft-com:office:office" xmlns:v="urn:schemas-microsoft-com:vml" xmlns:pvml="urn:schemas-microsoft-com:office:powerpoint" xmlns:com="http://schemas.openxmlformats.org/drawingml/2006/compatibility" xmlns:p14="http://schemas.microsoft.com/office/powerpoint/2010/main" xmlns:p15="http://schemas.microsoft.com/office/powerpoint/2012/main">
   <p:cSld>
     <p:spTree>
       <p:nvGrpSpPr>
-        <p:cNvPr id="93" name="Shape 93"/>
+        <p:cNvPr id="115" name="Shape 115"/>
         <p:cNvGrpSpPr/>
         <p:nvPr/>
       </p:nvGrpSpPr>
@@ -10450,7 +12416,7 @@
       </p:grpSpPr>
       <p:sp>
         <p:nvSpPr>
-          <p:cNvPr id="94" name="Google Shape;94;p18"/>
+          <p:cNvPr id="116" name="Google Shape;116;p19"/>
           <p:cNvSpPr txBox="1"/>
           <p:nvPr>
             <p:ph type="title"/>
@@ -10490,7 +12456,7 @@
       </p:sp>
       <p:sp>
         <p:nvSpPr>
-          <p:cNvPr id="95" name="Google Shape;95;p18"/>
+          <p:cNvPr id="117" name="Google Shape;117;p19"/>
           <p:cNvSpPr txBox="1"/>
           <p:nvPr>
             <p:ph idx="1" type="body"/>
@@ -10590,7 +12556,7 @@
       </p:sp>
       <p:sp>
         <p:nvSpPr>
-          <p:cNvPr id="96" name="Google Shape;96;p18"/>
+          <p:cNvPr id="118" name="Google Shape;118;p19"/>
           <p:cNvSpPr txBox="1"/>
           <p:nvPr>
             <p:ph idx="12" type="sldNum"/>
@@ -10635,7 +12601,7 @@
       </p:sp>
       <p:pic>
         <p:nvPicPr>
-          <p:cNvPr id="97" name="Google Shape;97;p18"/>
+          <p:cNvPr id="119" name="Google Shape;119;p19"/>
           <p:cNvPicPr preferRelativeResize="0"/>
           <p:nvPr/>
         </p:nvPicPr>
@@ -10651,253 +12617,6 @@
           <a:xfrm>
             <a:off x="3355077" y="1368450"/>
             <a:ext cx="5477222" cy="3020275"/>
-          </a:xfrm>
-          <a:prstGeom prst="rect">
-            <a:avLst/>
-          </a:prstGeom>
-          <a:noFill/>
-          <a:ln>
-            <a:noFill/>
-          </a:ln>
-        </p:spPr>
-      </p:pic>
-    </p:spTree>
-  </p:cSld>
-  <p:clrMapOvr>
-    <a:masterClrMapping/>
-  </p:clrMapOvr>
-</p:sld>
-</file>
-
-<file path=ppt/slides/slide7.xml><?xml version="1.0" encoding="utf-8"?>
-<p:sld xmlns:a="http://schemas.openxmlformats.org/drawingml/2006/main" xmlns:r="http://schemas.openxmlformats.org/officeDocument/2006/relationships" xmlns:mc="http://schemas.openxmlformats.org/markup-compatibility/2006" xmlns:mv="urn:schemas-microsoft-com:mac:vml" xmlns:p="http://schemas.openxmlformats.org/presentationml/2006/main" xmlns:c="http://schemas.openxmlformats.org/drawingml/2006/chart" xmlns:dgm="http://schemas.openxmlformats.org/drawingml/2006/diagram" xmlns:o="urn:schemas-microsoft-com:office:office" xmlns:v="urn:schemas-microsoft-com:vml" xmlns:pvml="urn:schemas-microsoft-com:office:powerpoint" xmlns:com="http://schemas.openxmlformats.org/drawingml/2006/compatibility" xmlns:p14="http://schemas.microsoft.com/office/powerpoint/2010/main" xmlns:p15="http://schemas.microsoft.com/office/powerpoint/2012/main">
-  <p:cSld>
-    <p:spTree>
-      <p:nvGrpSpPr>
-        <p:cNvPr id="101" name="Shape 101"/>
-        <p:cNvGrpSpPr/>
-        <p:nvPr/>
-      </p:nvGrpSpPr>
-      <p:grpSpPr>
-        <a:xfrm>
-          <a:off x="0" y="0"/>
-          <a:ext cx="0" cy="0"/>
-          <a:chOff x="0" y="0"/>
-          <a:chExt cx="0" cy="0"/>
-        </a:xfrm>
-      </p:grpSpPr>
-      <p:sp>
-        <p:nvSpPr>
-          <p:cNvPr id="102" name="Google Shape;102;p19"/>
-          <p:cNvSpPr txBox="1"/>
-          <p:nvPr>
-            <p:ph type="title"/>
-          </p:nvPr>
-        </p:nvSpPr>
-        <p:spPr>
-          <a:xfrm>
-            <a:off x="311700" y="445025"/>
-            <a:ext cx="8520600" cy="623400"/>
-          </a:xfrm>
-          <a:prstGeom prst="rect">
-            <a:avLst/>
-          </a:prstGeom>
-        </p:spPr>
-        <p:txBody>
-          <a:bodyPr anchorCtr="0" anchor="t" bIns="91425" lIns="91425" spcFirstLastPara="1" rIns="91425" wrap="square" tIns="91425">
-            <a:noAutofit/>
-          </a:bodyPr>
-          <a:lstStyle/>
-          <a:p>
-            <a:pPr indent="0" lvl="0" marL="0" rtl="0" algn="l">
-              <a:spcBef>
-                <a:spcPts val="0"/>
-              </a:spcBef>
-              <a:spcAft>
-                <a:spcPts val="0"/>
-              </a:spcAft>
-              <a:buNone/>
-            </a:pPr>
-            <a:r>
-              <a:rPr lang="en"/>
-              <a:t>Play Framework</a:t>
-            </a:r>
-            <a:endParaRPr/>
-          </a:p>
-        </p:txBody>
-      </p:sp>
-      <p:sp>
-        <p:nvSpPr>
-          <p:cNvPr id="103" name="Google Shape;103;p19"/>
-          <p:cNvSpPr txBox="1"/>
-          <p:nvPr>
-            <p:ph idx="1" type="body"/>
-          </p:nvPr>
-        </p:nvSpPr>
-        <p:spPr>
-          <a:xfrm>
-            <a:off x="311700" y="1152475"/>
-            <a:ext cx="3899700" cy="3416400"/>
-          </a:xfrm>
-          <a:prstGeom prst="rect">
-            <a:avLst/>
-          </a:prstGeom>
-        </p:spPr>
-        <p:txBody>
-          <a:bodyPr anchorCtr="0" anchor="t" bIns="91425" lIns="91425" spcFirstLastPara="1" rIns="91425" wrap="square" tIns="91425">
-            <a:noAutofit/>
-          </a:bodyPr>
-          <a:lstStyle/>
-          <a:p>
-            <a:pPr indent="-342900" lvl="0" marL="457200" rtl="0" algn="l">
-              <a:spcBef>
-                <a:spcPts val="0"/>
-              </a:spcBef>
-              <a:spcAft>
-                <a:spcPts val="0"/>
-              </a:spcAft>
-              <a:buSzPts val="1800"/>
-              <a:buChar char="●"/>
-            </a:pPr>
-            <a:r>
-              <a:rPr lang="en"/>
-              <a:t>REST-ful Endpoints</a:t>
-            </a:r>
-            <a:endParaRPr/>
-          </a:p>
-          <a:p>
-            <a:pPr indent="-317500" lvl="1" marL="914400" rtl="0" algn="l">
-              <a:spcBef>
-                <a:spcPts val="0"/>
-              </a:spcBef>
-              <a:spcAft>
-                <a:spcPts val="0"/>
-              </a:spcAft>
-              <a:buSzPts val="1400"/>
-              <a:buChar char="○"/>
-            </a:pPr>
-            <a:r>
-              <a:rPr lang="en"/>
-              <a:t>Retrieve URLs for a query</a:t>
-            </a:r>
-            <a:endParaRPr/>
-          </a:p>
-          <a:p>
-            <a:pPr indent="-317500" lvl="1" marL="914400" rtl="0" algn="l">
-              <a:spcBef>
-                <a:spcPts val="0"/>
-              </a:spcBef>
-              <a:spcAft>
-                <a:spcPts val="0"/>
-              </a:spcAft>
-              <a:buSzPts val="1400"/>
-              <a:buChar char="○"/>
-            </a:pPr>
-            <a:r>
-              <a:rPr lang="en"/>
-              <a:t>Retrieve Spam score</a:t>
-            </a:r>
-            <a:endParaRPr/>
-          </a:p>
-          <a:p>
-            <a:pPr indent="-342900" lvl="0" marL="457200" rtl="0" algn="l">
-              <a:spcBef>
-                <a:spcPts val="0"/>
-              </a:spcBef>
-              <a:spcAft>
-                <a:spcPts val="0"/>
-              </a:spcAft>
-              <a:buSzPts val="1800"/>
-              <a:buChar char="●"/>
-            </a:pPr>
-            <a:r>
-              <a:rPr lang="en"/>
-              <a:t>Controller</a:t>
-            </a:r>
-            <a:endParaRPr/>
-          </a:p>
-          <a:p>
-            <a:pPr indent="-342900" lvl="0" marL="457200" rtl="0" algn="l">
-              <a:spcBef>
-                <a:spcPts val="0"/>
-              </a:spcBef>
-              <a:spcAft>
-                <a:spcPts val="0"/>
-              </a:spcAft>
-              <a:buSzPts val="1800"/>
-              <a:buChar char="●"/>
-            </a:pPr>
-            <a:r>
-              <a:rPr lang="en"/>
-              <a:t>Redis -&gt; RESTful API -&gt; REACT</a:t>
-            </a:r>
-            <a:endParaRPr/>
-          </a:p>
-        </p:txBody>
-      </p:sp>
-      <p:sp>
-        <p:nvSpPr>
-          <p:cNvPr id="104" name="Google Shape;104;p19"/>
-          <p:cNvSpPr txBox="1"/>
-          <p:nvPr>
-            <p:ph idx="12" type="sldNum"/>
-          </p:nvPr>
-        </p:nvSpPr>
-        <p:spPr>
-          <a:xfrm>
-            <a:off x="8497999" y="4688759"/>
-            <a:ext cx="548700" cy="393600"/>
-          </a:xfrm>
-          <a:prstGeom prst="rect">
-            <a:avLst/>
-          </a:prstGeom>
-        </p:spPr>
-        <p:txBody>
-          <a:bodyPr anchorCtr="0" anchor="ctr" bIns="91425" lIns="91425" spcFirstLastPara="1" rIns="91425" wrap="square" tIns="91425">
-            <a:noAutofit/>
-          </a:bodyPr>
-          <a:lstStyle/>
-          <a:p>
-            <a:pPr indent="0" lvl="0" marL="0" rtl="0" algn="r">
-              <a:spcBef>
-                <a:spcPts val="0"/>
-              </a:spcBef>
-              <a:spcAft>
-                <a:spcPts val="0"/>
-              </a:spcAft>
-              <a:buClr>
-                <a:srgbClr val="000000"/>
-              </a:buClr>
-              <a:buSzPts val="1100"/>
-              <a:buFont typeface="Arial"/>
-              <a:buNone/>
-            </a:pPr>
-            <a:fld id="{00000000-1234-1234-1234-123412341234}" type="slidenum">
-              <a:rPr lang="en"/>
-              <a:t>‹#›</a:t>
-            </a:fld>
-            <a:endParaRPr/>
-          </a:p>
-        </p:txBody>
-      </p:sp>
-      <p:pic>
-        <p:nvPicPr>
-          <p:cNvPr id="105" name="Google Shape;105;p19"/>
-          <p:cNvPicPr preferRelativeResize="0"/>
-          <p:nvPr/>
-        </p:nvPicPr>
-        <p:blipFill>
-          <a:blip r:embed="rId3">
-            <a:alphaModFix/>
-          </a:blip>
-          <a:stretch>
-            <a:fillRect/>
-          </a:stretch>
-        </p:blipFill>
-        <p:spPr>
-          <a:xfrm>
-            <a:off x="3706925" y="527200"/>
-            <a:ext cx="5284676" cy="3614750"/>
           </a:xfrm>
           <a:prstGeom prst="rect">
             <a:avLst/>
@@ -10921,7 +12640,7 @@
   <p:cSld>
     <p:spTree>
       <p:nvGrpSpPr>
-        <p:cNvPr id="109" name="Shape 109"/>
+        <p:cNvPr id="123" name="Shape 123"/>
         <p:cNvGrpSpPr/>
         <p:nvPr/>
       </p:nvGrpSpPr>
@@ -10935,16 +12654,16 @@
       </p:grpSpPr>
       <p:sp>
         <p:nvSpPr>
-          <p:cNvPr id="110" name="Google Shape;110;p20"/>
+          <p:cNvPr id="124" name="Google Shape;124;p20"/>
           <p:cNvSpPr txBox="1"/>
           <p:nvPr>
-            <p:ph idx="1" type="body"/>
+            <p:ph type="title"/>
           </p:nvPr>
         </p:nvSpPr>
         <p:spPr>
           <a:xfrm>
-            <a:off x="311700" y="1152475"/>
-            <a:ext cx="8520600" cy="3416400"/>
+            <a:off x="311700" y="445025"/>
+            <a:ext cx="8520600" cy="623400"/>
           </a:xfrm>
           <a:prstGeom prst="rect">
             <a:avLst/>
@@ -10961,12 +12680,13 @@
                 <a:spcPts val="0"/>
               </a:spcBef>
               <a:spcAft>
-                <a:spcPts val="1600"/>
+                <a:spcPts val="0"/>
               </a:spcAft>
               <a:buNone/>
             </a:pPr>
             <a:r>
-              <a:t/>
+              <a:rPr lang="en"/>
+              <a:t>Play Framework</a:t>
             </a:r>
             <a:endParaRPr/>
           </a:p>
@@ -10974,7 +12694,116 @@
       </p:sp>
       <p:sp>
         <p:nvSpPr>
-          <p:cNvPr id="111" name="Google Shape;111;p20"/>
+          <p:cNvPr id="125" name="Google Shape;125;p20"/>
+          <p:cNvSpPr txBox="1"/>
+          <p:nvPr>
+            <p:ph idx="1" type="body"/>
+          </p:nvPr>
+        </p:nvSpPr>
+        <p:spPr>
+          <a:xfrm>
+            <a:off x="311700" y="1152475"/>
+            <a:ext cx="3899700" cy="3416400"/>
+          </a:xfrm>
+          <a:prstGeom prst="rect">
+            <a:avLst/>
+          </a:prstGeom>
+        </p:spPr>
+        <p:txBody>
+          <a:bodyPr anchorCtr="0" anchor="t" bIns="91425" lIns="91425" spcFirstLastPara="1" rIns="91425" wrap="square" tIns="91425">
+            <a:noAutofit/>
+          </a:bodyPr>
+          <a:lstStyle/>
+          <a:p>
+            <a:pPr indent="-342900" lvl="0" marL="457200" rtl="0" algn="l">
+              <a:spcBef>
+                <a:spcPts val="0"/>
+              </a:spcBef>
+              <a:spcAft>
+                <a:spcPts val="0"/>
+              </a:spcAft>
+              <a:buSzPts val="1800"/>
+              <a:buChar char="●"/>
+            </a:pPr>
+            <a:r>
+              <a:rPr lang="en"/>
+              <a:t>REST-ful Endpoints</a:t>
+            </a:r>
+            <a:endParaRPr/>
+          </a:p>
+          <a:p>
+            <a:pPr indent="-317500" lvl="1" marL="914400" rtl="0" algn="l">
+              <a:spcBef>
+                <a:spcPts val="0"/>
+              </a:spcBef>
+              <a:spcAft>
+                <a:spcPts val="0"/>
+              </a:spcAft>
+              <a:buSzPts val="1400"/>
+              <a:buChar char="○"/>
+            </a:pPr>
+            <a:r>
+              <a:rPr lang="en"/>
+              <a:t>Retrieve URLs for a query</a:t>
+            </a:r>
+            <a:endParaRPr/>
+          </a:p>
+          <a:p>
+            <a:pPr indent="-317500" lvl="1" marL="914400" rtl="0" algn="l">
+              <a:spcBef>
+                <a:spcPts val="0"/>
+              </a:spcBef>
+              <a:spcAft>
+                <a:spcPts val="0"/>
+              </a:spcAft>
+              <a:buSzPts val="1400"/>
+              <a:buChar char="○"/>
+            </a:pPr>
+            <a:r>
+              <a:rPr lang="en"/>
+              <a:t>Retrieve Spam score</a:t>
+            </a:r>
+            <a:endParaRPr/>
+          </a:p>
+          <a:p>
+            <a:pPr indent="-342900" lvl="0" marL="457200" rtl="0" algn="l">
+              <a:spcBef>
+                <a:spcPts val="0"/>
+              </a:spcBef>
+              <a:spcAft>
+                <a:spcPts val="0"/>
+              </a:spcAft>
+              <a:buSzPts val="1800"/>
+              <a:buChar char="●"/>
+            </a:pPr>
+            <a:r>
+              <a:rPr lang="en"/>
+              <a:t>Controller</a:t>
+            </a:r>
+            <a:endParaRPr/>
+          </a:p>
+          <a:p>
+            <a:pPr indent="-342900" lvl="0" marL="457200" rtl="0" algn="l">
+              <a:spcBef>
+                <a:spcPts val="0"/>
+              </a:spcBef>
+              <a:spcAft>
+                <a:spcPts val="0"/>
+              </a:spcAft>
+              <a:buSzPts val="1800"/>
+              <a:buChar char="●"/>
+            </a:pPr>
+            <a:r>
+              <a:rPr lang="en"/>
+              <a:t>Redis -&gt; RESTful API -&gt; REACT</a:t>
+            </a:r>
+            <a:endParaRPr/>
+          </a:p>
+        </p:txBody>
+      </p:sp>
+      <p:sp>
+        <p:nvSpPr>
+          <p:cNvPr id="126" name="Google Shape;126;p20"/>
           <p:cNvSpPr txBox="1"/>
           <p:nvPr>
             <p:ph idx="12" type="sldNum"/>
@@ -11002,6 +12831,11 @@
               <a:spcAft>
                 <a:spcPts val="0"/>
               </a:spcAft>
+              <a:buClr>
+                <a:srgbClr val="000000"/>
+              </a:buClr>
+              <a:buSzPts val="1100"/>
+              <a:buFont typeface="Arial"/>
               <a:buNone/>
             </a:pPr>
             <a:fld id="{00000000-1234-1234-1234-123412341234}" type="slidenum">
@@ -11014,7 +12848,7 @@
       </p:sp>
       <p:pic>
         <p:nvPicPr>
-          <p:cNvPr id="112" name="Google Shape;112;p20"/>
+          <p:cNvPr id="127" name="Google Shape;127;p20"/>
           <p:cNvPicPr preferRelativeResize="0"/>
           <p:nvPr/>
         </p:nvPicPr>
@@ -11028,8 +12862,8 @@
         </p:blipFill>
         <p:spPr>
           <a:xfrm>
-            <a:off x="0" y="-1"/>
-            <a:ext cx="9144000" cy="5022200"/>
+            <a:off x="3762025" y="764375"/>
+            <a:ext cx="5284676" cy="3614750"/>
           </a:xfrm>
           <a:prstGeom prst="rect">
             <a:avLst/>
@@ -11040,9 +12874,141 @@
           </a:ln>
         </p:spPr>
       </p:pic>
+    </p:spTree>
+  </p:cSld>
+  <p:clrMapOvr>
+    <a:masterClrMapping/>
+  </p:clrMapOvr>
+</p:sld>
+</file>
+
+<file path=ppt/slides/slide9.xml><?xml version="1.0" encoding="utf-8"?>
+<p:sld xmlns:a="http://schemas.openxmlformats.org/drawingml/2006/main" xmlns:r="http://schemas.openxmlformats.org/officeDocument/2006/relationships" xmlns:mc="http://schemas.openxmlformats.org/markup-compatibility/2006" xmlns:mv="urn:schemas-microsoft-com:mac:vml" xmlns:p="http://schemas.openxmlformats.org/presentationml/2006/main" xmlns:c="http://schemas.openxmlformats.org/drawingml/2006/chart" xmlns:dgm="http://schemas.openxmlformats.org/drawingml/2006/diagram" xmlns:o="urn:schemas-microsoft-com:office:office" xmlns:v="urn:schemas-microsoft-com:vml" xmlns:pvml="urn:schemas-microsoft-com:office:powerpoint" xmlns:com="http://schemas.openxmlformats.org/drawingml/2006/compatibility" xmlns:p14="http://schemas.microsoft.com/office/powerpoint/2010/main" xmlns:p15="http://schemas.microsoft.com/office/powerpoint/2012/main">
+  <p:cSld>
+    <p:spTree>
+      <p:nvGrpSpPr>
+        <p:cNvPr id="131" name="Shape 131"/>
+        <p:cNvGrpSpPr/>
+        <p:nvPr/>
+      </p:nvGrpSpPr>
+      <p:grpSpPr>
+        <a:xfrm>
+          <a:off x="0" y="0"/>
+          <a:ext cx="0" cy="0"/>
+          <a:chOff x="0" y="0"/>
+          <a:chExt cx="0" cy="0"/>
+        </a:xfrm>
+      </p:grpSpPr>
       <p:sp>
         <p:nvSpPr>
-          <p:cNvPr id="113" name="Google Shape;113;p20"/>
+          <p:cNvPr id="132" name="Google Shape;132;p21"/>
+          <p:cNvSpPr txBox="1"/>
+          <p:nvPr>
+            <p:ph idx="1" type="body"/>
+          </p:nvPr>
+        </p:nvSpPr>
+        <p:spPr>
+          <a:xfrm>
+            <a:off x="311700" y="1152475"/>
+            <a:ext cx="8520600" cy="3416400"/>
+          </a:xfrm>
+          <a:prstGeom prst="rect">
+            <a:avLst/>
+          </a:prstGeom>
+        </p:spPr>
+        <p:txBody>
+          <a:bodyPr anchorCtr="0" anchor="t" bIns="91425" lIns="91425" spcFirstLastPara="1" rIns="91425" wrap="square" tIns="91425">
+            <a:noAutofit/>
+          </a:bodyPr>
+          <a:lstStyle/>
+          <a:p>
+            <a:pPr indent="0" lvl="0" marL="0" rtl="0" algn="l">
+              <a:spcBef>
+                <a:spcPts val="0"/>
+              </a:spcBef>
+              <a:spcAft>
+                <a:spcPts val="1600"/>
+              </a:spcAft>
+              <a:buNone/>
+            </a:pPr>
+            <a:r>
+              <a:t/>
+            </a:r>
+            <a:endParaRPr/>
+          </a:p>
+        </p:txBody>
+      </p:sp>
+      <p:sp>
+        <p:nvSpPr>
+          <p:cNvPr id="133" name="Google Shape;133;p21"/>
+          <p:cNvSpPr txBox="1"/>
+          <p:nvPr>
+            <p:ph idx="12" type="sldNum"/>
+          </p:nvPr>
+        </p:nvSpPr>
+        <p:spPr>
+          <a:xfrm>
+            <a:off x="8497999" y="4688759"/>
+            <a:ext cx="548700" cy="393600"/>
+          </a:xfrm>
+          <a:prstGeom prst="rect">
+            <a:avLst/>
+          </a:prstGeom>
+        </p:spPr>
+        <p:txBody>
+          <a:bodyPr anchorCtr="0" anchor="ctr" bIns="91425" lIns="91425" spcFirstLastPara="1" rIns="91425" wrap="square" tIns="91425">
+            <a:noAutofit/>
+          </a:bodyPr>
+          <a:lstStyle/>
+          <a:p>
+            <a:pPr indent="0" lvl="0" marL="0" rtl="0" algn="r">
+              <a:spcBef>
+                <a:spcPts val="0"/>
+              </a:spcBef>
+              <a:spcAft>
+                <a:spcPts val="0"/>
+              </a:spcAft>
+              <a:buNone/>
+            </a:pPr>
+            <a:fld id="{00000000-1234-1234-1234-123412341234}" type="slidenum">
+              <a:rPr lang="en"/>
+              <a:t>‹#›</a:t>
+            </a:fld>
+            <a:endParaRPr/>
+          </a:p>
+        </p:txBody>
+      </p:sp>
+      <p:pic>
+        <p:nvPicPr>
+          <p:cNvPr id="134" name="Google Shape;134;p21"/>
+          <p:cNvPicPr preferRelativeResize="0"/>
+          <p:nvPr/>
+        </p:nvPicPr>
+        <p:blipFill>
+          <a:blip r:embed="rId3">
+            <a:alphaModFix/>
+          </a:blip>
+          <a:stretch>
+            <a:fillRect/>
+          </a:stretch>
+        </p:blipFill>
+        <p:spPr>
+          <a:xfrm>
+            <a:off x="0" y="-1"/>
+            <a:ext cx="9144000" cy="5022200"/>
+          </a:xfrm>
+          <a:prstGeom prst="rect">
+            <a:avLst/>
+          </a:prstGeom>
+          <a:noFill/>
+          <a:ln>
+            <a:noFill/>
+          </a:ln>
+        </p:spPr>
+      </p:pic>
+      <p:sp>
+        <p:nvSpPr>
+          <p:cNvPr id="135" name="Google Shape;135;p21"/>
           <p:cNvSpPr txBox="1"/>
           <p:nvPr>
             <p:ph type="title"/>
@@ -11088,205 +13054,286 @@
 </p:sld>
 </file>
 
-<file path=ppt/slides/slide9.xml><?xml version="1.0" encoding="utf-8"?>
-<p:sld xmlns:a="http://schemas.openxmlformats.org/drawingml/2006/main" xmlns:r="http://schemas.openxmlformats.org/officeDocument/2006/relationships" xmlns:mc="http://schemas.openxmlformats.org/markup-compatibility/2006" xmlns:mv="urn:schemas-microsoft-com:mac:vml" xmlns:p="http://schemas.openxmlformats.org/presentationml/2006/main" xmlns:c="http://schemas.openxmlformats.org/drawingml/2006/chart" xmlns:dgm="http://schemas.openxmlformats.org/drawingml/2006/diagram" xmlns:o="urn:schemas-microsoft-com:office:office" xmlns:v="urn:schemas-microsoft-com:vml" xmlns:pvml="urn:schemas-microsoft-com:office:powerpoint" xmlns:com="http://schemas.openxmlformats.org/drawingml/2006/compatibility" xmlns:p14="http://schemas.microsoft.com/office/powerpoint/2010/main" xmlns:p15="http://schemas.microsoft.com/office/powerpoint/2012/main">
-  <p:cSld>
-    <p:spTree>
-      <p:nvGrpSpPr>
-        <p:cNvPr id="117" name="Shape 117"/>
-        <p:cNvGrpSpPr/>
-        <p:nvPr/>
-      </p:nvGrpSpPr>
-      <p:grpSpPr>
-        <a:xfrm>
-          <a:off x="0" y="0"/>
-          <a:ext cx="0" cy="0"/>
-          <a:chOff x="0" y="0"/>
-          <a:chExt cx="0" cy="0"/>
-        </a:xfrm>
-      </p:grpSpPr>
-      <p:sp>
-        <p:nvSpPr>
-          <p:cNvPr id="118" name="Google Shape;118;p21"/>
-          <p:cNvSpPr txBox="1"/>
-          <p:nvPr>
-            <p:ph type="title"/>
-          </p:nvPr>
-        </p:nvSpPr>
-        <p:spPr>
-          <a:xfrm>
-            <a:off x="311700" y="445025"/>
-            <a:ext cx="8520600" cy="623400"/>
-          </a:xfrm>
-          <a:prstGeom prst="rect">
-            <a:avLst/>
-          </a:prstGeom>
-        </p:spPr>
-        <p:txBody>
-          <a:bodyPr anchorCtr="0" anchor="t" bIns="91425" lIns="91425" spcFirstLastPara="1" rIns="91425" wrap="square" tIns="91425">
-            <a:noAutofit/>
-          </a:bodyPr>
-          <a:lstStyle/>
-          <a:p>
-            <a:pPr indent="0" lvl="0" marL="0" rtl="0" algn="l">
-              <a:spcBef>
-                <a:spcPts val="0"/>
-              </a:spcBef>
-              <a:spcAft>
-                <a:spcPts val="0"/>
-              </a:spcAft>
-              <a:buNone/>
-            </a:pPr>
-            <a:r>
-              <a:rPr lang="en"/>
-              <a:t>Redis</a:t>
-            </a:r>
-            <a:endParaRPr/>
-          </a:p>
-        </p:txBody>
-      </p:sp>
-      <p:sp>
-        <p:nvSpPr>
-          <p:cNvPr id="119" name="Google Shape;119;p21"/>
-          <p:cNvSpPr txBox="1"/>
-          <p:nvPr>
-            <p:ph idx="1" type="body"/>
-          </p:nvPr>
-        </p:nvSpPr>
-        <p:spPr>
-          <a:xfrm>
-            <a:off x="311700" y="1152475"/>
-            <a:ext cx="8520600" cy="3416400"/>
-          </a:xfrm>
-          <a:prstGeom prst="rect">
-            <a:avLst/>
-          </a:prstGeom>
-        </p:spPr>
-        <p:txBody>
-          <a:bodyPr anchorCtr="0" anchor="t" bIns="91425" lIns="91425" spcFirstLastPara="1" rIns="91425" wrap="square" tIns="91425">
-            <a:noAutofit/>
-          </a:bodyPr>
-          <a:lstStyle/>
-          <a:p>
-            <a:pPr indent="0" lvl="0" marL="0" rtl="0" algn="l">
-              <a:spcBef>
-                <a:spcPts val="0"/>
-              </a:spcBef>
-              <a:spcAft>
-                <a:spcPts val="0"/>
-              </a:spcAft>
-              <a:buNone/>
-            </a:pPr>
-            <a:r>
-              <a:rPr lang="en"/>
-              <a:t>Redis-scala is a library build with AKKA for scala to connect to redis.</a:t>
-            </a:r>
-            <a:endParaRPr/>
-          </a:p>
-          <a:p>
-            <a:pPr indent="0" lvl="0" marL="0" rtl="0" algn="l">
-              <a:spcBef>
-                <a:spcPts val="1600"/>
-              </a:spcBef>
-              <a:spcAft>
-                <a:spcPts val="0"/>
-              </a:spcAft>
-              <a:buNone/>
-            </a:pPr>
-            <a:r>
-              <a:rPr lang="en"/>
-              <a:t>Redis is a non-relational database which takes fewer space than MYSQL and stores everything as string which is perfect for interacting front-end throw json.</a:t>
-            </a:r>
-            <a:endParaRPr/>
-          </a:p>
-          <a:p>
-            <a:pPr indent="0" lvl="0" marL="0" rtl="0" algn="l">
-              <a:spcBef>
-                <a:spcPts val="1600"/>
-              </a:spcBef>
-              <a:spcAft>
-                <a:spcPts val="0"/>
-              </a:spcAft>
-              <a:buNone/>
-            </a:pPr>
-            <a:r>
-              <a:rPr lang="en"/>
-              <a:t>Redis uses key-value pattern so we can retrieve the backlinks through it. </a:t>
-            </a:r>
-            <a:endParaRPr/>
-          </a:p>
-          <a:p>
-            <a:pPr indent="0" lvl="0" marL="0" rtl="0" algn="l">
-              <a:spcBef>
-                <a:spcPts val="1600"/>
-              </a:spcBef>
-              <a:spcAft>
-                <a:spcPts val="1600"/>
-              </a:spcAft>
-              <a:buNone/>
-            </a:pPr>
-            <a:r>
-              <a:rPr lang="en"/>
-              <a:t>RedisGraph will be a better choice of dataset but it’s not supported on Scala.</a:t>
-            </a:r>
-            <a:endParaRPr/>
-          </a:p>
-        </p:txBody>
-      </p:sp>
-      <p:sp>
-        <p:nvSpPr>
-          <p:cNvPr id="120" name="Google Shape;120;p21"/>
-          <p:cNvSpPr txBox="1"/>
-          <p:nvPr>
-            <p:ph idx="12" type="sldNum"/>
-          </p:nvPr>
-        </p:nvSpPr>
-        <p:spPr>
-          <a:xfrm>
-            <a:off x="8497999" y="4688759"/>
-            <a:ext cx="548700" cy="393600"/>
-          </a:xfrm>
-          <a:prstGeom prst="rect">
-            <a:avLst/>
-          </a:prstGeom>
-        </p:spPr>
-        <p:txBody>
-          <a:bodyPr anchorCtr="0" anchor="ctr" bIns="91425" lIns="91425" spcFirstLastPara="1" rIns="91425" wrap="square" tIns="91425">
-            <a:noAutofit/>
-          </a:bodyPr>
-          <a:lstStyle/>
-          <a:p>
-            <a:pPr indent="0" lvl="0" marL="0" rtl="0" algn="r">
-              <a:spcBef>
-                <a:spcPts val="0"/>
-              </a:spcBef>
-              <a:spcAft>
-                <a:spcPts val="0"/>
-              </a:spcAft>
-              <a:buClr>
-                <a:srgbClr val="000000"/>
-              </a:buClr>
-              <a:buSzPts val="1100"/>
-              <a:buFont typeface="Arial"/>
-              <a:buNone/>
-            </a:pPr>
-            <a:fld id="{00000000-1234-1234-1234-123412341234}" type="slidenum">
-              <a:rPr lang="en"/>
-              <a:t>‹#›</a:t>
-            </a:fld>
-            <a:endParaRPr/>
-          </a:p>
-        </p:txBody>
-      </p:sp>
-    </p:spTree>
-  </p:cSld>
-  <p:clrMapOvr>
-    <a:masterClrMapping/>
-  </p:clrMapOvr>
-</p:sld>
+<file path=ppt/theme/theme1.xml><?xml version="1.0" encoding="utf-8"?>
+<a:theme xmlns:a="http://schemas.openxmlformats.org/drawingml/2006/main" xmlns:r="http://schemas.openxmlformats.org/officeDocument/2006/relationships" name="Plum">
+  <a:themeElements>
+    <a:clrScheme name="Plum">
+      <a:dk1>
+        <a:srgbClr val="611BB8"/>
+      </a:dk1>
+      <a:lt1>
+        <a:srgbClr val="FFFFFF"/>
+      </a:lt1>
+      <a:dk2>
+        <a:srgbClr val="000000"/>
+      </a:dk2>
+      <a:lt2>
+        <a:srgbClr val="7F7F7F"/>
+      </a:lt2>
+      <a:accent1>
+        <a:srgbClr val="333333"/>
+      </a:accent1>
+      <a:accent2>
+        <a:srgbClr val="5E2B97"/>
+      </a:accent2>
+      <a:accent3>
+        <a:srgbClr val="7E57C2"/>
+      </a:accent3>
+      <a:accent4>
+        <a:srgbClr val="C77025"/>
+      </a:accent4>
+      <a:accent5>
+        <a:srgbClr val="009688"/>
+      </a:accent5>
+      <a:accent6>
+        <a:srgbClr val="FFD600"/>
+      </a:accent6>
+      <a:hlink>
+        <a:srgbClr val="009688"/>
+      </a:hlink>
+      <a:folHlink>
+        <a:srgbClr val="009688"/>
+      </a:folHlink>
+    </a:clrScheme>
+    <a:fontScheme name="Office">
+      <a:majorFont>
+        <a:latin typeface="Arial"/>
+        <a:ea typeface=""/>
+        <a:cs typeface=""/>
+        <a:font script="Jpan" typeface="ＭＳ Ｐゴシック"/>
+        <a:font script="Hang" typeface="맑은 고딕"/>
+        <a:font script="Hans" typeface="宋体"/>
+        <a:font script="Hant" typeface="新細明體"/>
+        <a:font script="Arab" typeface="Times New Roman"/>
+        <a:font script="Hebr" typeface="Times New Roman"/>
+        <a:font script="Thai" typeface="Angsana New"/>
+        <a:font script="Ethi" typeface="Nyala"/>
+        <a:font script="Beng" typeface="Vrinda"/>
+        <a:font script="Gujr" typeface="Shruti"/>
+        <a:font script="Khmr" typeface="MoolBoran"/>
+        <a:font script="Knda" typeface="Tunga"/>
+        <a:font script="Guru" typeface="Raavi"/>
+        <a:font script="Cans" typeface="Euphemia"/>
+        <a:font script="Cher" typeface="Plantagenet Cherokee"/>
+        <a:font script="Yiii" typeface="Microsoft Yi Baiti"/>
+        <a:font script="Tibt" typeface="Microsoft Himalaya"/>
+        <a:font script="Thaa" typeface="MV Boli"/>
+        <a:font script="Deva" typeface="Mangal"/>
+        <a:font script="Telu" typeface="Gautami"/>
+        <a:font script="Taml" typeface="Latha"/>
+        <a:font script="Syrc" typeface="Estrangelo Edessa"/>
+        <a:font script="Orya" typeface="Kalinga"/>
+        <a:font script="Mlym" typeface="Kartika"/>
+        <a:font script="Laoo" typeface="DokChampa"/>
+        <a:font script="Sinh" typeface="Iskoola Pota"/>
+        <a:font script="Mong" typeface="Mongolian Baiti"/>
+        <a:font script="Viet" typeface="Times New Roman"/>
+        <a:font script="Uigh" typeface="Microsoft Uighur"/>
+        <a:font script="Geor" typeface="Sylfaen"/>
+      </a:majorFont>
+      <a:minorFont>
+        <a:latin typeface="Arial"/>
+        <a:ea typeface=""/>
+        <a:cs typeface=""/>
+        <a:font script="Jpan" typeface="ＭＳ Ｐゴシック"/>
+        <a:font script="Hang" typeface="맑은 고딕"/>
+        <a:font script="Hans" typeface="宋体"/>
+        <a:font script="Hant" typeface="新細明體"/>
+        <a:font script="Arab" typeface="Arial"/>
+        <a:font script="Hebr" typeface="Arial"/>
+        <a:font script="Thai" typeface="Cordia New"/>
+        <a:font script="Ethi" typeface="Nyala"/>
+        <a:font script="Beng" typeface="Vrinda"/>
+        <a:font script="Gujr" typeface="Shruti"/>
+        <a:font script="Khmr" typeface="DaunPenh"/>
+        <a:font script="Knda" typeface="Tunga"/>
+        <a:font script="Guru" typeface="Raavi"/>
+        <a:font script="Cans" typeface="Euphemia"/>
+        <a:font script="Cher" typeface="Plantagenet Cherokee"/>
+        <a:font script="Yiii" typeface="Microsoft Yi Baiti"/>
+        <a:font script="Tibt" typeface="Microsoft Himalaya"/>
+        <a:font script="Thaa" typeface="MV Boli"/>
+        <a:font script="Deva" typeface="Mangal"/>
+        <a:font script="Telu" typeface="Gautami"/>
+        <a:font script="Taml" typeface="Latha"/>
+        <a:font script="Syrc" typeface="Estrangelo Edessa"/>
+        <a:font script="Orya" typeface="Kalinga"/>
+        <a:font script="Mlym" typeface="Kartika"/>
+        <a:font script="Laoo" typeface="DokChampa"/>
+        <a:font script="Sinh" typeface="Iskoola Pota"/>
+        <a:font script="Mong" typeface="Mongolian Baiti"/>
+        <a:font script="Viet" typeface="Arial"/>
+        <a:font script="Uigh" typeface="Microsoft Uighur"/>
+        <a:font script="Geor" typeface="Sylfaen"/>
+      </a:minorFont>
+    </a:fontScheme>
+    <a:fmtScheme name="Office">
+      <a:fillStyleLst>
+        <a:solidFill>
+          <a:schemeClr val="phClr"/>
+        </a:solidFill>
+        <a:gradFill rotWithShape="1">
+          <a:gsLst>
+            <a:gs pos="0">
+              <a:schemeClr val="phClr">
+                <a:tint val="50000"/>
+                <a:satMod val="300000"/>
+              </a:schemeClr>
+            </a:gs>
+            <a:gs pos="35000">
+              <a:schemeClr val="phClr">
+                <a:tint val="37000"/>
+                <a:satMod val="300000"/>
+              </a:schemeClr>
+            </a:gs>
+            <a:gs pos="100000">
+              <a:schemeClr val="phClr">
+                <a:tint val="15000"/>
+                <a:satMod val="350000"/>
+              </a:schemeClr>
+            </a:gs>
+          </a:gsLst>
+          <a:lin ang="16200000" scaled="1"/>
+        </a:gradFill>
+        <a:gradFill rotWithShape="1">
+          <a:gsLst>
+            <a:gs pos="0">
+              <a:schemeClr val="phClr">
+                <a:tint val="100000"/>
+                <a:shade val="100000"/>
+                <a:satMod val="130000"/>
+              </a:schemeClr>
+            </a:gs>
+            <a:gs pos="100000">
+              <a:schemeClr val="phClr">
+                <a:tint val="50000"/>
+                <a:shade val="100000"/>
+                <a:satMod val="350000"/>
+              </a:schemeClr>
+            </a:gs>
+          </a:gsLst>
+          <a:lin ang="16200000" scaled="0"/>
+        </a:gradFill>
+      </a:fillStyleLst>
+      <a:lnStyleLst>
+        <a:ln w="9525" cap="flat" cmpd="sng" algn="ctr">
+          <a:solidFill>
+            <a:schemeClr val="phClr">
+              <a:shade val="95000"/>
+              <a:satMod val="105000"/>
+            </a:schemeClr>
+          </a:solidFill>
+          <a:prstDash val="solid"/>
+        </a:ln>
+        <a:ln w="25400" cap="flat" cmpd="sng" algn="ctr">
+          <a:solidFill>
+            <a:schemeClr val="phClr"/>
+          </a:solidFill>
+          <a:prstDash val="solid"/>
+        </a:ln>
+        <a:ln w="38100" cap="flat" cmpd="sng" algn="ctr">
+          <a:solidFill>
+            <a:schemeClr val="phClr"/>
+          </a:solidFill>
+          <a:prstDash val="solid"/>
+        </a:ln>
+      </a:lnStyleLst>
+      <a:effectStyleLst>
+        <a:effectStyle>
+          <a:effectLst>
+            <a:outerShdw blurRad="40000" dist="20000" dir="5400000" rotWithShape="0">
+              <a:srgbClr val="000000">
+                <a:alpha val="38000"/>
+              </a:srgbClr>
+            </a:outerShdw>
+          </a:effectLst>
+        </a:effectStyle>
+        <a:effectStyle>
+          <a:effectLst>
+            <a:outerShdw blurRad="40000" dist="23000" dir="5400000" rotWithShape="0">
+              <a:srgbClr val="000000">
+                <a:alpha val="35000"/>
+              </a:srgbClr>
+            </a:outerShdw>
+          </a:effectLst>
+        </a:effectStyle>
+        <a:effectStyle>
+          <a:effectLst>
+            <a:outerShdw blurRad="40000" dist="23000" dir="5400000" rotWithShape="0">
+              <a:srgbClr val="000000">
+                <a:alpha val="35000"/>
+              </a:srgbClr>
+            </a:outerShdw>
+          </a:effectLst>
+          <a:scene3d>
+            <a:camera prst="orthographicFront">
+              <a:rot lat="0" lon="0" rev="0"/>
+            </a:camera>
+            <a:lightRig rig="threePt" dir="t">
+              <a:rot lat="0" lon="0" rev="1200000"/>
+            </a:lightRig>
+          </a:scene3d>
+          <a:sp3d>
+            <a:bevelT w="63500" h="25400"/>
+          </a:sp3d>
+        </a:effectStyle>
+      </a:effectStyleLst>
+      <a:bgFillStyleLst>
+        <a:solidFill>
+          <a:schemeClr val="phClr"/>
+        </a:solidFill>
+        <a:gradFill rotWithShape="1">
+          <a:gsLst>
+            <a:gs pos="0">
+              <a:schemeClr val="phClr">
+                <a:tint val="40000"/>
+                <a:satMod val="350000"/>
+              </a:schemeClr>
+            </a:gs>
+            <a:gs pos="40000">
+              <a:schemeClr val="phClr">
+                <a:tint val="45000"/>
+                <a:shade val="99000"/>
+                <a:satMod val="350000"/>
+              </a:schemeClr>
+            </a:gs>
+            <a:gs pos="100000">
+              <a:schemeClr val="phClr">
+                <a:shade val="20000"/>
+                <a:satMod val="255000"/>
+              </a:schemeClr>
+            </a:gs>
+          </a:gsLst>
+          <a:path path="circle">
+            <a:fillToRect l="50000" t="-80000" r="50000" b="180000"/>
+          </a:path>
+        </a:gradFill>
+        <a:gradFill rotWithShape="1">
+          <a:gsLst>
+            <a:gs pos="0">
+              <a:schemeClr val="phClr">
+                <a:tint val="80000"/>
+                <a:satMod val="300000"/>
+              </a:schemeClr>
+            </a:gs>
+            <a:gs pos="100000">
+              <a:schemeClr val="phClr">
+                <a:shade val="30000"/>
+                <a:satMod val="200000"/>
+              </a:schemeClr>
+            </a:gs>
+          </a:gsLst>
+          <a:path path="circle">
+            <a:fillToRect l="50000" t="50000" r="50000" b="50000"/>
+          </a:path>
+        </a:gradFill>
+      </a:bgFillStyleLst>
+    </a:fmtScheme>
+  </a:themeElements>
+</a:theme>
 </file>
 
-<file path=ppt/theme/theme1.xml><?xml version="1.0" encoding="utf-8"?>
+<file path=ppt/theme/theme2.xml><?xml version="1.0" encoding="utf-8"?>
 <a:theme xmlns:a="http://schemas.openxmlformats.org/drawingml/2006/main" xmlns:r="http://schemas.openxmlformats.org/officeDocument/2006/relationships">
   <a:themeElements>
     <a:clrScheme name="Default">
@@ -11563,283 +13610,4 @@
     </a:fmtScheme>
   </a:themeElements>
 </a:theme>
-</file>
-
-<file path=ppt/theme/theme2.xml><?xml version="1.0" encoding="utf-8"?>
-<a:theme xmlns:a="http://schemas.openxmlformats.org/drawingml/2006/main" xmlns:r="http://schemas.openxmlformats.org/officeDocument/2006/relationships" name="Plum">
-  <a:themeElements>
-    <a:clrScheme name="Plum">
-      <a:dk1>
-        <a:srgbClr val="611BB8"/>
-      </a:dk1>
-      <a:lt1>
-        <a:srgbClr val="FFFFFF"/>
-      </a:lt1>
-      <a:dk2>
-        <a:srgbClr val="000000"/>
-      </a:dk2>
-      <a:lt2>
-        <a:srgbClr val="7F7F7F"/>
-      </a:lt2>
-      <a:accent1>
-        <a:srgbClr val="333333"/>
-      </a:accent1>
-      <a:accent2>
-        <a:srgbClr val="5E2B97"/>
-      </a:accent2>
-      <a:accent3>
-        <a:srgbClr val="7E57C2"/>
-      </a:accent3>
-      <a:accent4>
-        <a:srgbClr val="C77025"/>
-      </a:accent4>
-      <a:accent5>
-        <a:srgbClr val="009688"/>
-      </a:accent5>
-      <a:accent6>
-        <a:srgbClr val="FFD600"/>
-      </a:accent6>
-      <a:hlink>
-        <a:srgbClr val="009688"/>
-      </a:hlink>
-      <a:folHlink>
-        <a:srgbClr val="009688"/>
-      </a:folHlink>
-    </a:clrScheme>
-    <a:fontScheme name="Office">
-      <a:majorFont>
-        <a:latin typeface="Arial"/>
-        <a:ea typeface=""/>
-        <a:cs typeface=""/>
-        <a:font script="Jpan" typeface="ＭＳ Ｐゴシック"/>
-        <a:font script="Hang" typeface="맑은 고딕"/>
-        <a:font script="Hans" typeface="宋体"/>
-        <a:font script="Hant" typeface="新細明體"/>
-        <a:font script="Arab" typeface="Times New Roman"/>
-        <a:font script="Hebr" typeface="Times New Roman"/>
-        <a:font script="Thai" typeface="Angsana New"/>
-        <a:font script="Ethi" typeface="Nyala"/>
-        <a:font script="Beng" typeface="Vrinda"/>
-        <a:font script="Gujr" typeface="Shruti"/>
-        <a:font script="Khmr" typeface="MoolBoran"/>
-        <a:font script="Knda" typeface="Tunga"/>
-        <a:font script="Guru" typeface="Raavi"/>
-        <a:font script="Cans" typeface="Euphemia"/>
-        <a:font script="Cher" typeface="Plantagenet Cherokee"/>
-        <a:font script="Yiii" typeface="Microsoft Yi Baiti"/>
-        <a:font script="Tibt" typeface="Microsoft Himalaya"/>
-        <a:font script="Thaa" typeface="MV Boli"/>
-        <a:font script="Deva" typeface="Mangal"/>
-        <a:font script="Telu" typeface="Gautami"/>
-        <a:font script="Taml" typeface="Latha"/>
-        <a:font script="Syrc" typeface="Estrangelo Edessa"/>
-        <a:font script="Orya" typeface="Kalinga"/>
-        <a:font script="Mlym" typeface="Kartika"/>
-        <a:font script="Laoo" typeface="DokChampa"/>
-        <a:font script="Sinh" typeface="Iskoola Pota"/>
-        <a:font script="Mong" typeface="Mongolian Baiti"/>
-        <a:font script="Viet" typeface="Times New Roman"/>
-        <a:font script="Uigh" typeface="Microsoft Uighur"/>
-        <a:font script="Geor" typeface="Sylfaen"/>
-      </a:majorFont>
-      <a:minorFont>
-        <a:latin typeface="Arial"/>
-        <a:ea typeface=""/>
-        <a:cs typeface=""/>
-        <a:font script="Jpan" typeface="ＭＳ Ｐゴシック"/>
-        <a:font script="Hang" typeface="맑은 고딕"/>
-        <a:font script="Hans" typeface="宋体"/>
-        <a:font script="Hant" typeface="新細明體"/>
-        <a:font script="Arab" typeface="Arial"/>
-        <a:font script="Hebr" typeface="Arial"/>
-        <a:font script="Thai" typeface="Cordia New"/>
-        <a:font script="Ethi" typeface="Nyala"/>
-        <a:font script="Beng" typeface="Vrinda"/>
-        <a:font script="Gujr" typeface="Shruti"/>
-        <a:font script="Khmr" typeface="DaunPenh"/>
-        <a:font script="Knda" typeface="Tunga"/>
-        <a:font script="Guru" typeface="Raavi"/>
-        <a:font script="Cans" typeface="Euphemia"/>
-        <a:font script="Cher" typeface="Plantagenet Cherokee"/>
-        <a:font script="Yiii" typeface="Microsoft Yi Baiti"/>
-        <a:font script="Tibt" typeface="Microsoft Himalaya"/>
-        <a:font script="Thaa" typeface="MV Boli"/>
-        <a:font script="Deva" typeface="Mangal"/>
-        <a:font script="Telu" typeface="Gautami"/>
-        <a:font script="Taml" typeface="Latha"/>
-        <a:font script="Syrc" typeface="Estrangelo Edessa"/>
-        <a:font script="Orya" typeface="Kalinga"/>
-        <a:font script="Mlym" typeface="Kartika"/>
-        <a:font script="Laoo" typeface="DokChampa"/>
-        <a:font script="Sinh" typeface="Iskoola Pota"/>
-        <a:font script="Mong" typeface="Mongolian Baiti"/>
-        <a:font script="Viet" typeface="Arial"/>
-        <a:font script="Uigh" typeface="Microsoft Uighur"/>
-        <a:font script="Geor" typeface="Sylfaen"/>
-      </a:minorFont>
-    </a:fontScheme>
-    <a:fmtScheme name="Office">
-      <a:fillStyleLst>
-        <a:solidFill>
-          <a:schemeClr val="phClr"/>
-        </a:solidFill>
-        <a:gradFill rotWithShape="1">
-          <a:gsLst>
-            <a:gs pos="0">
-              <a:schemeClr val="phClr">
-                <a:tint val="50000"/>
-                <a:satMod val="300000"/>
-              </a:schemeClr>
-            </a:gs>
-            <a:gs pos="35000">
-              <a:schemeClr val="phClr">
-                <a:tint val="37000"/>
-                <a:satMod val="300000"/>
-              </a:schemeClr>
-            </a:gs>
-            <a:gs pos="100000">
-              <a:schemeClr val="phClr">
-                <a:tint val="15000"/>
-                <a:satMod val="350000"/>
-              </a:schemeClr>
-            </a:gs>
-          </a:gsLst>
-          <a:lin ang="16200000" scaled="1"/>
-        </a:gradFill>
-        <a:gradFill rotWithShape="1">
-          <a:gsLst>
-            <a:gs pos="0">
-              <a:schemeClr val="phClr">
-                <a:tint val="100000"/>
-                <a:shade val="100000"/>
-                <a:satMod val="130000"/>
-              </a:schemeClr>
-            </a:gs>
-            <a:gs pos="100000">
-              <a:schemeClr val="phClr">
-                <a:tint val="50000"/>
-                <a:shade val="100000"/>
-                <a:satMod val="350000"/>
-              </a:schemeClr>
-            </a:gs>
-          </a:gsLst>
-          <a:lin ang="16200000" scaled="0"/>
-        </a:gradFill>
-      </a:fillStyleLst>
-      <a:lnStyleLst>
-        <a:ln w="9525" cap="flat" cmpd="sng" algn="ctr">
-          <a:solidFill>
-            <a:schemeClr val="phClr">
-              <a:shade val="95000"/>
-              <a:satMod val="105000"/>
-            </a:schemeClr>
-          </a:solidFill>
-          <a:prstDash val="solid"/>
-        </a:ln>
-        <a:ln w="25400" cap="flat" cmpd="sng" algn="ctr">
-          <a:solidFill>
-            <a:schemeClr val="phClr"/>
-          </a:solidFill>
-          <a:prstDash val="solid"/>
-        </a:ln>
-        <a:ln w="38100" cap="flat" cmpd="sng" algn="ctr">
-          <a:solidFill>
-            <a:schemeClr val="phClr"/>
-          </a:solidFill>
-          <a:prstDash val="solid"/>
-        </a:ln>
-      </a:lnStyleLst>
-      <a:effectStyleLst>
-        <a:effectStyle>
-          <a:effectLst>
-            <a:outerShdw blurRad="40000" dist="20000" dir="5400000" rotWithShape="0">
-              <a:srgbClr val="000000">
-                <a:alpha val="38000"/>
-              </a:srgbClr>
-            </a:outerShdw>
-          </a:effectLst>
-        </a:effectStyle>
-        <a:effectStyle>
-          <a:effectLst>
-            <a:outerShdw blurRad="40000" dist="23000" dir="5400000" rotWithShape="0">
-              <a:srgbClr val="000000">
-                <a:alpha val="35000"/>
-              </a:srgbClr>
-            </a:outerShdw>
-          </a:effectLst>
-        </a:effectStyle>
-        <a:effectStyle>
-          <a:effectLst>
-            <a:outerShdw blurRad="40000" dist="23000" dir="5400000" rotWithShape="0">
-              <a:srgbClr val="000000">
-                <a:alpha val="35000"/>
-              </a:srgbClr>
-            </a:outerShdw>
-          </a:effectLst>
-          <a:scene3d>
-            <a:camera prst="orthographicFront">
-              <a:rot lat="0" lon="0" rev="0"/>
-            </a:camera>
-            <a:lightRig rig="threePt" dir="t">
-              <a:rot lat="0" lon="0" rev="1200000"/>
-            </a:lightRig>
-          </a:scene3d>
-          <a:sp3d>
-            <a:bevelT w="63500" h="25400"/>
-          </a:sp3d>
-        </a:effectStyle>
-      </a:effectStyleLst>
-      <a:bgFillStyleLst>
-        <a:solidFill>
-          <a:schemeClr val="phClr"/>
-        </a:solidFill>
-        <a:gradFill rotWithShape="1">
-          <a:gsLst>
-            <a:gs pos="0">
-              <a:schemeClr val="phClr">
-                <a:tint val="40000"/>
-                <a:satMod val="350000"/>
-              </a:schemeClr>
-            </a:gs>
-            <a:gs pos="40000">
-              <a:schemeClr val="phClr">
-                <a:tint val="45000"/>
-                <a:shade val="99000"/>
-                <a:satMod val="350000"/>
-              </a:schemeClr>
-            </a:gs>
-            <a:gs pos="100000">
-              <a:schemeClr val="phClr">
-                <a:shade val="20000"/>
-                <a:satMod val="255000"/>
-              </a:schemeClr>
-            </a:gs>
-          </a:gsLst>
-          <a:path path="circle">
-            <a:fillToRect l="50000" t="-80000" r="50000" b="180000"/>
-          </a:path>
-        </a:gradFill>
-        <a:gradFill rotWithShape="1">
-          <a:gsLst>
-            <a:gs pos="0">
-              <a:schemeClr val="phClr">
-                <a:tint val="80000"/>
-                <a:satMod val="300000"/>
-              </a:schemeClr>
-            </a:gs>
-            <a:gs pos="100000">
-              <a:schemeClr val="phClr">
-                <a:shade val="30000"/>
-                <a:satMod val="200000"/>
-              </a:schemeClr>
-            </a:gs>
-          </a:gsLst>
-          <a:path path="circle">
-            <a:fillToRect l="50000" t="50000" r="50000" b="50000"/>
-          </a:path>
-        </a:gradFill>
-      </a:bgFillStyleLst>
-    </a:fmtScheme>
-  </a:themeElements>
-</a:theme>
 </file>